--- a/Zarf Token Presentation.pptx
+++ b/Zarf Token Presentation.pptx
@@ -1560,7 +1560,7 @@
   <p:cSld>
     <p:spTree>
       <p:nvGrpSpPr>
-        <p:cNvPr id="327" name="Shape 327"/>
+        <p:cNvPr id="328" name="Shape 328"/>
         <p:cNvGrpSpPr/>
         <p:nvPr/>
       </p:nvGrpSpPr>
@@ -1574,7 +1574,7 @@
       </p:grpSpPr>
       <p:sp>
         <p:nvSpPr>
-          <p:cNvPr id="328" name="Google Shape;328;p10:notes"/>
+          <p:cNvPr id="329" name="Google Shape;329;p10:notes"/>
           <p:cNvSpPr txBox="1"/>
           <p:nvPr>
             <p:ph idx="1" type="body"/>
@@ -1613,7 +1613,7 @@
       </p:sp>
       <p:sp>
         <p:nvSpPr>
-          <p:cNvPr id="329" name="Google Shape;329;p10:notes"/>
+          <p:cNvPr id="330" name="Google Shape;330;p10:notes"/>
           <p:cNvSpPr/>
           <p:nvPr>
             <p:ph idx="2" type="sldImg"/>
@@ -1659,7 +1659,7 @@
   <p:cSld>
     <p:spTree>
       <p:nvGrpSpPr>
-        <p:cNvPr id="351" name="Shape 351"/>
+        <p:cNvPr id="352" name="Shape 352"/>
         <p:cNvGrpSpPr/>
         <p:nvPr/>
       </p:nvGrpSpPr>
@@ -1673,7 +1673,7 @@
       </p:grpSpPr>
       <p:sp>
         <p:nvSpPr>
-          <p:cNvPr id="352" name="Google Shape;352;p11:notes"/>
+          <p:cNvPr id="353" name="Google Shape;353;p11:notes"/>
           <p:cNvSpPr txBox="1"/>
           <p:nvPr>
             <p:ph idx="1" type="body"/>
@@ -1712,7 +1712,7 @@
       </p:sp>
       <p:sp>
         <p:nvSpPr>
-          <p:cNvPr id="353" name="Google Shape;353;p11:notes"/>
+          <p:cNvPr id="354" name="Google Shape;354;p11:notes"/>
           <p:cNvSpPr/>
           <p:nvPr>
             <p:ph idx="2" type="sldImg"/>
@@ -1758,7 +1758,7 @@
   <p:cSld>
     <p:spTree>
       <p:nvGrpSpPr>
-        <p:cNvPr id="369" name="Shape 369"/>
+        <p:cNvPr id="371" name="Shape 371"/>
         <p:cNvGrpSpPr/>
         <p:nvPr/>
       </p:nvGrpSpPr>
@@ -1772,7 +1772,7 @@
       </p:grpSpPr>
       <p:sp>
         <p:nvSpPr>
-          <p:cNvPr id="370" name="Google Shape;370;p12:notes"/>
+          <p:cNvPr id="372" name="Google Shape;372;p12:notes"/>
           <p:cNvSpPr txBox="1"/>
           <p:nvPr>
             <p:ph idx="1" type="body"/>
@@ -1811,7 +1811,7 @@
       </p:sp>
       <p:sp>
         <p:nvSpPr>
-          <p:cNvPr id="371" name="Google Shape;371;p12:notes"/>
+          <p:cNvPr id="373" name="Google Shape;373;p12:notes"/>
           <p:cNvSpPr/>
           <p:nvPr>
             <p:ph idx="2" type="sldImg"/>
@@ -1857,7 +1857,7 @@
   <p:cSld>
     <p:spTree>
       <p:nvGrpSpPr>
-        <p:cNvPr id="391" name="Shape 391"/>
+        <p:cNvPr id="393" name="Shape 393"/>
         <p:cNvGrpSpPr/>
         <p:nvPr/>
       </p:nvGrpSpPr>
@@ -1871,7 +1871,7 @@
       </p:grpSpPr>
       <p:sp>
         <p:nvSpPr>
-          <p:cNvPr id="392" name="Google Shape;392;p13:notes"/>
+          <p:cNvPr id="394" name="Google Shape;394;p13:notes"/>
           <p:cNvSpPr txBox="1"/>
           <p:nvPr>
             <p:ph idx="1" type="body"/>
@@ -1910,7 +1910,7 @@
       </p:sp>
       <p:sp>
         <p:nvSpPr>
-          <p:cNvPr id="393" name="Google Shape;393;p13:notes"/>
+          <p:cNvPr id="395" name="Google Shape;395;p13:notes"/>
           <p:cNvSpPr/>
           <p:nvPr>
             <p:ph idx="2" type="sldImg"/>
@@ -1956,7 +1956,7 @@
   <p:cSld>
     <p:spTree>
       <p:nvGrpSpPr>
-        <p:cNvPr id="429" name="Shape 429"/>
+        <p:cNvPr id="431" name="Shape 431"/>
         <p:cNvGrpSpPr/>
         <p:nvPr/>
       </p:nvGrpSpPr>
@@ -1970,7 +1970,7 @@
       </p:grpSpPr>
       <p:sp>
         <p:nvSpPr>
-          <p:cNvPr id="430" name="Google Shape;430;p14:notes"/>
+          <p:cNvPr id="432" name="Google Shape;432;p14:notes"/>
           <p:cNvSpPr txBox="1"/>
           <p:nvPr>
             <p:ph idx="1" type="body"/>
@@ -2009,7 +2009,7 @@
       </p:sp>
       <p:sp>
         <p:nvSpPr>
-          <p:cNvPr id="431" name="Google Shape;431;p14:notes"/>
+          <p:cNvPr id="433" name="Google Shape;433;p14:notes"/>
           <p:cNvSpPr/>
           <p:nvPr>
             <p:ph idx="2" type="sldImg"/>
@@ -2055,7 +2055,7 @@
   <p:cSld>
     <p:spTree>
       <p:nvGrpSpPr>
-        <p:cNvPr id="463" name="Shape 463"/>
+        <p:cNvPr id="465" name="Shape 465"/>
         <p:cNvGrpSpPr/>
         <p:nvPr/>
       </p:nvGrpSpPr>
@@ -2069,7 +2069,7 @@
       </p:grpSpPr>
       <p:sp>
         <p:nvSpPr>
-          <p:cNvPr id="464" name="Google Shape;464;p15:notes"/>
+          <p:cNvPr id="466" name="Google Shape;466;p15:notes"/>
           <p:cNvSpPr txBox="1"/>
           <p:nvPr>
             <p:ph idx="1" type="body"/>
@@ -2108,7 +2108,7 @@
       </p:sp>
       <p:sp>
         <p:nvSpPr>
-          <p:cNvPr id="465" name="Google Shape;465;p15:notes"/>
+          <p:cNvPr id="467" name="Google Shape;467;p15:notes"/>
           <p:cNvSpPr/>
           <p:nvPr>
             <p:ph idx="2" type="sldImg"/>
@@ -2154,7 +2154,7 @@
   <p:cSld>
     <p:spTree>
       <p:nvGrpSpPr>
-        <p:cNvPr id="487" name="Shape 487"/>
+        <p:cNvPr id="489" name="Shape 489"/>
         <p:cNvGrpSpPr/>
         <p:nvPr/>
       </p:nvGrpSpPr>
@@ -2168,7 +2168,7 @@
       </p:grpSpPr>
       <p:sp>
         <p:nvSpPr>
-          <p:cNvPr id="488" name="Google Shape;488;p16:notes"/>
+          <p:cNvPr id="490" name="Google Shape;490;p16:notes"/>
           <p:cNvSpPr txBox="1"/>
           <p:nvPr>
             <p:ph idx="1" type="body"/>
@@ -2207,7 +2207,7 @@
       </p:sp>
       <p:sp>
         <p:nvSpPr>
-          <p:cNvPr id="489" name="Google Shape;489;p16:notes"/>
+          <p:cNvPr id="491" name="Google Shape;491;p16:notes"/>
           <p:cNvSpPr/>
           <p:nvPr>
             <p:ph idx="2" type="sldImg"/>
@@ -2253,7 +2253,7 @@
   <p:cSld>
     <p:spTree>
       <p:nvGrpSpPr>
-        <p:cNvPr id="510" name="Shape 510"/>
+        <p:cNvPr id="512" name="Shape 512"/>
         <p:cNvGrpSpPr/>
         <p:nvPr/>
       </p:nvGrpSpPr>
@@ -2267,7 +2267,7 @@
       </p:grpSpPr>
       <p:sp>
         <p:nvSpPr>
-          <p:cNvPr id="511" name="Google Shape;511;p17:notes"/>
+          <p:cNvPr id="513" name="Google Shape;513;p17:notes"/>
           <p:cNvSpPr txBox="1"/>
           <p:nvPr>
             <p:ph idx="1" type="body"/>
@@ -2306,7 +2306,7 @@
       </p:sp>
       <p:sp>
         <p:nvSpPr>
-          <p:cNvPr id="512" name="Google Shape;512;p17:notes"/>
+          <p:cNvPr id="514" name="Google Shape;514;p17:notes"/>
           <p:cNvSpPr/>
           <p:nvPr>
             <p:ph idx="2" type="sldImg"/>
@@ -2352,7 +2352,7 @@
   <p:cSld>
     <p:spTree>
       <p:nvGrpSpPr>
-        <p:cNvPr id="540" name="Shape 540"/>
+        <p:cNvPr id="542" name="Shape 542"/>
         <p:cNvGrpSpPr/>
         <p:nvPr/>
       </p:nvGrpSpPr>
@@ -2366,7 +2366,7 @@
       </p:grpSpPr>
       <p:sp>
         <p:nvSpPr>
-          <p:cNvPr id="541" name="Google Shape;541;p18:notes"/>
+          <p:cNvPr id="543" name="Google Shape;543;p18:notes"/>
           <p:cNvSpPr txBox="1"/>
           <p:nvPr>
             <p:ph idx="1" type="body"/>
@@ -2405,7 +2405,7 @@
       </p:sp>
       <p:sp>
         <p:nvSpPr>
-          <p:cNvPr id="542" name="Google Shape;542;p18:notes"/>
+          <p:cNvPr id="544" name="Google Shape;544;p18:notes"/>
           <p:cNvSpPr/>
           <p:nvPr>
             <p:ph idx="2" type="sldImg"/>
@@ -2451,7 +2451,7 @@
   <p:cSld>
     <p:spTree>
       <p:nvGrpSpPr>
-        <p:cNvPr id="568" name="Shape 568"/>
+        <p:cNvPr id="570" name="Shape 570"/>
         <p:cNvGrpSpPr/>
         <p:nvPr/>
       </p:nvGrpSpPr>
@@ -2465,7 +2465,7 @@
       </p:grpSpPr>
       <p:sp>
         <p:nvSpPr>
-          <p:cNvPr id="569" name="Google Shape;569;p19:notes"/>
+          <p:cNvPr id="571" name="Google Shape;571;p19:notes"/>
           <p:cNvSpPr txBox="1"/>
           <p:nvPr>
             <p:ph idx="1" type="body"/>
@@ -2504,7 +2504,7 @@
       </p:sp>
       <p:sp>
         <p:nvSpPr>
-          <p:cNvPr id="570" name="Google Shape;570;p19:notes"/>
+          <p:cNvPr id="572" name="Google Shape;572;p19:notes"/>
           <p:cNvSpPr/>
           <p:nvPr>
             <p:ph idx="2" type="sldImg"/>
@@ -2649,7 +2649,7 @@
   <p:cSld>
     <p:spTree>
       <p:nvGrpSpPr>
-        <p:cNvPr id="591" name="Shape 591"/>
+        <p:cNvPr id="593" name="Shape 593"/>
         <p:cNvGrpSpPr/>
         <p:nvPr/>
       </p:nvGrpSpPr>
@@ -2663,7 +2663,7 @@
       </p:grpSpPr>
       <p:sp>
         <p:nvSpPr>
-          <p:cNvPr id="592" name="Google Shape;592;p20:notes"/>
+          <p:cNvPr id="594" name="Google Shape;594;p20:notes"/>
           <p:cNvSpPr txBox="1"/>
           <p:nvPr>
             <p:ph idx="1" type="body"/>
@@ -2702,7 +2702,7 @@
       </p:sp>
       <p:sp>
         <p:nvSpPr>
-          <p:cNvPr id="593" name="Google Shape;593;p20:notes"/>
+          <p:cNvPr id="595" name="Google Shape;595;p20:notes"/>
           <p:cNvSpPr/>
           <p:nvPr>
             <p:ph idx="2" type="sldImg"/>
@@ -2748,7 +2748,7 @@
   <p:cSld>
     <p:spTree>
       <p:nvGrpSpPr>
-        <p:cNvPr id="623" name="Shape 623"/>
+        <p:cNvPr id="625" name="Shape 625"/>
         <p:cNvGrpSpPr/>
         <p:nvPr/>
       </p:nvGrpSpPr>
@@ -2762,7 +2762,7 @@
       </p:grpSpPr>
       <p:sp>
         <p:nvSpPr>
-          <p:cNvPr id="624" name="Google Shape;624;p21:notes"/>
+          <p:cNvPr id="626" name="Google Shape;626;p21:notes"/>
           <p:cNvSpPr txBox="1"/>
           <p:nvPr>
             <p:ph idx="1" type="body"/>
@@ -2801,7 +2801,7 @@
       </p:sp>
       <p:sp>
         <p:nvSpPr>
-          <p:cNvPr id="625" name="Google Shape;625;p21:notes"/>
+          <p:cNvPr id="627" name="Google Shape;627;p21:notes"/>
           <p:cNvSpPr/>
           <p:nvPr>
             <p:ph idx="2" type="sldImg"/>
@@ -2847,7 +2847,7 @@
   <p:cSld>
     <p:spTree>
       <p:nvGrpSpPr>
-        <p:cNvPr id="639" name="Shape 639"/>
+        <p:cNvPr id="641" name="Shape 641"/>
         <p:cNvGrpSpPr/>
         <p:nvPr/>
       </p:nvGrpSpPr>
@@ -2861,7 +2861,7 @@
       </p:grpSpPr>
       <p:sp>
         <p:nvSpPr>
-          <p:cNvPr id="640" name="Google Shape;640;p22:notes"/>
+          <p:cNvPr id="642" name="Google Shape;642;p22:notes"/>
           <p:cNvSpPr txBox="1"/>
           <p:nvPr>
             <p:ph idx="1" type="body"/>
@@ -2900,7 +2900,7 @@
       </p:sp>
       <p:sp>
         <p:nvSpPr>
-          <p:cNvPr id="641" name="Google Shape;641;p22:notes"/>
+          <p:cNvPr id="643" name="Google Shape;643;p22:notes"/>
           <p:cNvSpPr/>
           <p:nvPr>
             <p:ph idx="2" type="sldImg"/>
@@ -3342,7 +3342,7 @@
   <p:cSld>
     <p:spTree>
       <p:nvGrpSpPr>
-        <p:cNvPr id="254" name="Shape 254"/>
+        <p:cNvPr id="255" name="Shape 255"/>
         <p:cNvGrpSpPr/>
         <p:nvPr/>
       </p:nvGrpSpPr>
@@ -3356,7 +3356,7 @@
       </p:grpSpPr>
       <p:sp>
         <p:nvSpPr>
-          <p:cNvPr id="255" name="Google Shape;255;p7:notes"/>
+          <p:cNvPr id="256" name="Google Shape;256;p7:notes"/>
           <p:cNvSpPr txBox="1"/>
           <p:nvPr>
             <p:ph idx="1" type="body"/>
@@ -3395,7 +3395,7 @@
       </p:sp>
       <p:sp>
         <p:nvSpPr>
-          <p:cNvPr id="256" name="Google Shape;256;p7:notes"/>
+          <p:cNvPr id="257" name="Google Shape;257;p7:notes"/>
           <p:cNvSpPr/>
           <p:nvPr>
             <p:ph idx="2" type="sldImg"/>
@@ -3441,7 +3441,7 @@
   <p:cSld>
     <p:spTree>
       <p:nvGrpSpPr>
-        <p:cNvPr id="277" name="Shape 277"/>
+        <p:cNvPr id="278" name="Shape 278"/>
         <p:cNvGrpSpPr/>
         <p:nvPr/>
       </p:nvGrpSpPr>
@@ -3455,7 +3455,7 @@
       </p:grpSpPr>
       <p:sp>
         <p:nvSpPr>
-          <p:cNvPr id="278" name="Google Shape;278;p8:notes"/>
+          <p:cNvPr id="279" name="Google Shape;279;p8:notes"/>
           <p:cNvSpPr txBox="1"/>
           <p:nvPr>
             <p:ph idx="1" type="body"/>
@@ -3494,7 +3494,7 @@
       </p:sp>
       <p:sp>
         <p:nvSpPr>
-          <p:cNvPr id="279" name="Google Shape;279;p8:notes"/>
+          <p:cNvPr id="280" name="Google Shape;280;p8:notes"/>
           <p:cNvSpPr/>
           <p:nvPr>
             <p:ph idx="2" type="sldImg"/>
@@ -3540,7 +3540,7 @@
   <p:cSld>
     <p:spTree>
       <p:nvGrpSpPr>
-        <p:cNvPr id="304" name="Shape 304"/>
+        <p:cNvPr id="305" name="Shape 305"/>
         <p:cNvGrpSpPr/>
         <p:nvPr/>
       </p:nvGrpSpPr>
@@ -3554,7 +3554,7 @@
       </p:grpSpPr>
       <p:sp>
         <p:nvSpPr>
-          <p:cNvPr id="305" name="Google Shape;305;p9:notes"/>
+          <p:cNvPr id="306" name="Google Shape;306;p9:notes"/>
           <p:cNvSpPr txBox="1"/>
           <p:nvPr>
             <p:ph idx="1" type="body"/>
@@ -3593,7 +3593,7 @@
       </p:sp>
       <p:sp>
         <p:nvSpPr>
-          <p:cNvPr id="306" name="Google Shape;306;p9:notes"/>
+          <p:cNvPr id="307" name="Google Shape;307;p9:notes"/>
           <p:cNvSpPr/>
           <p:nvPr>
             <p:ph idx="2" type="sldImg"/>
@@ -14627,7 +14627,7 @@
     </p:bg>
     <p:spTree>
       <p:nvGrpSpPr>
-        <p:cNvPr id="330" name="Shape 330"/>
+        <p:cNvPr id="331" name="Shape 331"/>
         <p:cNvGrpSpPr/>
         <p:nvPr/>
       </p:nvGrpSpPr>
@@ -14641,7 +14641,7 @@
       </p:grpSpPr>
       <p:sp>
         <p:nvSpPr>
-          <p:cNvPr id="331" name="Google Shape;331;p22"/>
+          <p:cNvPr id="332" name="Google Shape;332;p22"/>
           <p:cNvSpPr/>
           <p:nvPr/>
         </p:nvSpPr>
@@ -14707,7 +14707,7 @@
       </p:sp>
       <p:pic>
         <p:nvPicPr>
-          <p:cNvPr descr="A green check mark in a circle&#10;&#10;Description automatically generated" id="332" name="Google Shape;332;p22"/>
+          <p:cNvPr descr="A green check mark in a circle&#10;&#10;Description automatically generated" id="333" name="Google Shape;333;p22"/>
           <p:cNvPicPr preferRelativeResize="0"/>
           <p:nvPr/>
         </p:nvPicPr>
@@ -14734,7 +14734,7 @@
       </p:pic>
       <p:grpSp>
         <p:nvGrpSpPr>
-          <p:cNvPr id="333" name="Google Shape;333;p22"/>
+          <p:cNvPr id="334" name="Google Shape;334;p22"/>
           <p:cNvGrpSpPr/>
           <p:nvPr/>
         </p:nvGrpSpPr>
@@ -14748,7 +14748,7 @@
         </p:grpSpPr>
         <p:sp>
           <p:nvSpPr>
-            <p:cNvPr id="334" name="Google Shape;334;p22"/>
+            <p:cNvPr id="335" name="Google Shape;335;p22"/>
             <p:cNvSpPr/>
             <p:nvPr/>
           </p:nvSpPr>
@@ -14839,7 +14839,7 @@
         </p:sp>
         <p:sp>
           <p:nvSpPr>
-            <p:cNvPr id="335" name="Google Shape;335;p22"/>
+            <p:cNvPr id="336" name="Google Shape;336;p22"/>
             <p:cNvSpPr txBox="1"/>
             <p:nvPr/>
           </p:nvSpPr>
@@ -14892,7 +14892,7 @@
       </p:grpSp>
       <p:sp>
         <p:nvSpPr>
-          <p:cNvPr id="336" name="Google Shape;336;p22"/>
+          <p:cNvPr id="337" name="Google Shape;337;p22"/>
           <p:cNvSpPr txBox="1"/>
           <p:nvPr/>
         </p:nvSpPr>
@@ -14945,7 +14945,7 @@
       </p:sp>
       <p:grpSp>
         <p:nvGrpSpPr>
-          <p:cNvPr id="337" name="Google Shape;337;p22"/>
+          <p:cNvPr id="338" name="Google Shape;338;p22"/>
           <p:cNvGrpSpPr/>
           <p:nvPr/>
         </p:nvGrpSpPr>
@@ -14959,7 +14959,7 @@
         </p:grpSpPr>
         <p:sp>
           <p:nvSpPr>
-            <p:cNvPr id="338" name="Google Shape;338;p22"/>
+            <p:cNvPr id="339" name="Google Shape;339;p22"/>
             <p:cNvSpPr/>
             <p:nvPr/>
           </p:nvSpPr>
@@ -15050,7 +15050,7 @@
         </p:sp>
         <p:sp>
           <p:nvSpPr>
-            <p:cNvPr id="339" name="Google Shape;339;p22"/>
+            <p:cNvPr id="340" name="Google Shape;340;p22"/>
             <p:cNvSpPr txBox="1"/>
             <p:nvPr/>
           </p:nvSpPr>
@@ -15103,7 +15103,7 @@
       </p:grpSp>
       <p:grpSp>
         <p:nvGrpSpPr>
-          <p:cNvPr id="340" name="Google Shape;340;p22"/>
+          <p:cNvPr id="341" name="Google Shape;341;p22"/>
           <p:cNvGrpSpPr/>
           <p:nvPr/>
         </p:nvGrpSpPr>
@@ -15117,7 +15117,7 @@
         </p:grpSpPr>
         <p:sp>
           <p:nvSpPr>
-            <p:cNvPr id="341" name="Google Shape;341;p22"/>
+            <p:cNvPr id="342" name="Google Shape;342;p22"/>
             <p:cNvSpPr/>
             <p:nvPr/>
           </p:nvSpPr>
@@ -15208,7 +15208,7 @@
         </p:sp>
         <p:sp>
           <p:nvSpPr>
-            <p:cNvPr id="342" name="Google Shape;342;p22"/>
+            <p:cNvPr id="343" name="Google Shape;343;p22"/>
             <p:cNvSpPr txBox="1"/>
             <p:nvPr/>
           </p:nvSpPr>
@@ -15261,7 +15261,7 @@
       </p:grpSp>
       <p:sp>
         <p:nvSpPr>
-          <p:cNvPr id="343" name="Google Shape;343;p22"/>
+          <p:cNvPr id="344" name="Google Shape;344;p22"/>
           <p:cNvSpPr txBox="1"/>
           <p:nvPr/>
         </p:nvSpPr>
@@ -15311,7 +15311,7 @@
       </p:sp>
       <p:pic>
         <p:nvPicPr>
-          <p:cNvPr descr="A black and white image of a bicycle&#10;&#10;Description automatically generated" id="344" name="Google Shape;344;p22"/>
+          <p:cNvPr descr="A black and white image of a bicycle&#10;&#10;Description automatically generated" id="345" name="Google Shape;345;p22"/>
           <p:cNvPicPr preferRelativeResize="0"/>
           <p:nvPr/>
         </p:nvPicPr>
@@ -15338,7 +15338,7 @@
       </p:pic>
       <p:pic>
         <p:nvPicPr>
-          <p:cNvPr descr="A red stamp with black background&#10;&#10;Description automatically generated" id="345" name="Google Shape;345;p22"/>
+          <p:cNvPr descr="A red stamp with black background&#10;&#10;Description automatically generated" id="346" name="Google Shape;346;p22"/>
           <p:cNvPicPr preferRelativeResize="0"/>
           <p:nvPr/>
         </p:nvPicPr>
@@ -15365,7 +15365,7 @@
       </p:pic>
       <p:pic>
         <p:nvPicPr>
-          <p:cNvPr descr="A blue and white logo&#10;&#10;Description automatically generated" id="346" name="Google Shape;346;p22"/>
+          <p:cNvPr descr="A blue and white logo&#10;&#10;Description automatically generated" id="347" name="Google Shape;347;p22"/>
           <p:cNvPicPr preferRelativeResize="0"/>
           <p:nvPr/>
         </p:nvPicPr>
@@ -15392,7 +15392,7 @@
       </p:pic>
       <p:sp>
         <p:nvSpPr>
-          <p:cNvPr id="347" name="Google Shape;347;p22"/>
+          <p:cNvPr id="348" name="Google Shape;348;p22"/>
           <p:cNvSpPr txBox="1"/>
           <p:nvPr/>
         </p:nvSpPr>
@@ -15453,7 +15453,7 @@
       </p:sp>
       <p:sp>
         <p:nvSpPr>
-          <p:cNvPr id="348" name="Google Shape;348;p22"/>
+          <p:cNvPr id="349" name="Google Shape;349;p22"/>
           <p:cNvSpPr txBox="1"/>
           <p:nvPr/>
         </p:nvSpPr>
@@ -15506,7 +15506,7 @@
       </p:sp>
       <p:sp>
         <p:nvSpPr>
-          <p:cNvPr id="349" name="Google Shape;349;p22"/>
+          <p:cNvPr id="350" name="Google Shape;350;p22"/>
           <p:cNvSpPr txBox="1"/>
           <p:nvPr/>
         </p:nvSpPr>
@@ -15559,7 +15559,7 @@
       </p:sp>
       <p:sp>
         <p:nvSpPr>
-          <p:cNvPr id="350" name="Google Shape;350;p22"/>
+          <p:cNvPr id="351" name="Google Shape;351;p22"/>
           <p:cNvSpPr txBox="1"/>
           <p:nvPr/>
         </p:nvSpPr>
@@ -15630,7 +15630,7 @@
     </p:bg>
     <p:spTree>
       <p:nvGrpSpPr>
-        <p:cNvPr id="354" name="Shape 354"/>
+        <p:cNvPr id="355" name="Shape 355"/>
         <p:cNvGrpSpPr/>
         <p:nvPr/>
       </p:nvGrpSpPr>
@@ -15644,7 +15644,7 @@
       </p:grpSpPr>
       <p:sp>
         <p:nvSpPr>
-          <p:cNvPr id="355" name="Google Shape;355;p23"/>
+          <p:cNvPr id="356" name="Google Shape;356;p23"/>
           <p:cNvSpPr/>
           <p:nvPr/>
         </p:nvSpPr>
@@ -15710,7 +15710,7 @@
       </p:sp>
       <p:sp>
         <p:nvSpPr>
-          <p:cNvPr id="356" name="Google Shape;356;p23"/>
+          <p:cNvPr id="357" name="Google Shape;357;p23"/>
           <p:cNvSpPr txBox="1"/>
           <p:nvPr/>
         </p:nvSpPr>
@@ -15762,7 +15762,7 @@
       </p:sp>
       <p:sp>
         <p:nvSpPr>
-          <p:cNvPr id="357" name="Google Shape;357;p23"/>
+          <p:cNvPr id="358" name="Google Shape;358;p23"/>
           <p:cNvSpPr txBox="1"/>
           <p:nvPr/>
         </p:nvSpPr>
@@ -15810,82 +15810,6 @@
               <a:t>11</a:t>
             </a:r>
             <a:endParaRPr/>
-          </a:p>
-        </p:txBody>
-      </p:sp>
-      <p:sp>
-        <p:nvSpPr>
-          <p:cNvPr id="358" name="Google Shape;358;p23"/>
-          <p:cNvSpPr/>
-          <p:nvPr/>
-        </p:nvSpPr>
-        <p:spPr>
-          <a:xfrm>
-            <a:off x="-200032" y="-828192"/>
-            <a:ext cx="3713783" cy="3713783"/>
-          </a:xfrm>
-          <a:custGeom>
-            <a:rect b="b" l="l" r="r" t="t"/>
-            <a:pathLst>
-              <a:path extrusionOk="0" h="3713783" w="3713783">
-                <a:moveTo>
-                  <a:pt x="0" y="0"/>
-                </a:moveTo>
-                <a:lnTo>
-                  <a:pt x="3713784" y="0"/>
-                </a:lnTo>
-                <a:lnTo>
-                  <a:pt x="3713784" y="3713784"/>
-                </a:lnTo>
-                <a:lnTo>
-                  <a:pt x="0" y="3713784"/>
-                </a:lnTo>
-                <a:lnTo>
-                  <a:pt x="0" y="0"/>
-                </a:lnTo>
-                <a:close/>
-              </a:path>
-            </a:pathLst>
-          </a:custGeom>
-          <a:blipFill rotWithShape="1">
-            <a:blip r:embed="rId3">
-              <a:alphaModFix/>
-            </a:blip>
-            <a:stretch>
-              <a:fillRect b="0" l="0" r="0" t="0"/>
-            </a:stretch>
-          </a:blipFill>
-          <a:ln>
-            <a:noFill/>
-          </a:ln>
-        </p:spPr>
-        <p:txBody>
-          <a:bodyPr anchorCtr="0" anchor="t" bIns="45700" lIns="91425" spcFirstLastPara="1" rIns="91425" wrap="square" tIns="45700">
-            <a:noAutofit/>
-          </a:bodyPr>
-          <a:lstStyle/>
-          <a:p>
-            <a:pPr indent="0" lvl="0" marL="0" marR="0" rtl="0" algn="l">
-              <a:spcBef>
-                <a:spcPts val="0"/>
-              </a:spcBef>
-              <a:spcAft>
-                <a:spcPts val="0"/>
-              </a:spcAft>
-              <a:buNone/>
-            </a:pPr>
-            <a:r>
-              <a:t/>
-            </a:r>
-            <a:endParaRPr sz="1800">
-              <a:solidFill>
-                <a:schemeClr val="dk1"/>
-              </a:solidFill>
-              <a:latin typeface="Calibri"/>
-              <a:ea typeface="Calibri"/>
-              <a:cs typeface="Calibri"/>
-              <a:sym typeface="Calibri"/>
-            </a:endParaRPr>
           </a:p>
         </p:txBody>
       </p:sp>
@@ -16212,7 +16136,7 @@
           <p:nvPr/>
         </p:nvPicPr>
         <p:blipFill rotWithShape="1">
-          <a:blip r:embed="rId4">
+          <a:blip r:embed="rId3">
             <a:alphaModFix/>
           </a:blip>
           <a:srcRect b="0" l="0" r="0" t="0"/>
@@ -16388,6 +16312,94 @@
               <a:t>Page</a:t>
             </a:r>
             <a:endParaRPr/>
+          </a:p>
+        </p:txBody>
+      </p:sp>
+      <p:pic>
+        <p:nvPicPr>
+          <p:cNvPr descr="A blue and white logo&#10;&#10;Description automatically generated" id="369" name="Google Shape;369;p23"/>
+          <p:cNvPicPr preferRelativeResize="0"/>
+          <p:nvPr/>
+        </p:nvPicPr>
+        <p:blipFill rotWithShape="1">
+          <a:blip r:embed="rId4">
+            <a:alphaModFix/>
+          </a:blip>
+          <a:srcRect b="0" l="0" r="0" t="0"/>
+          <a:stretch/>
+        </p:blipFill>
+        <p:spPr>
+          <a:xfrm>
+            <a:off x="473517" y="380220"/>
+            <a:ext cx="939052" cy="1184698"/>
+          </a:xfrm>
+          <a:prstGeom prst="rect">
+            <a:avLst/>
+          </a:prstGeom>
+          <a:noFill/>
+          <a:ln>
+            <a:noFill/>
+          </a:ln>
+        </p:spPr>
+      </p:pic>
+      <p:sp>
+        <p:nvSpPr>
+          <p:cNvPr id="370" name="Google Shape;370;p23"/>
+          <p:cNvSpPr txBox="1"/>
+          <p:nvPr/>
+        </p:nvSpPr>
+        <p:spPr>
+          <a:xfrm>
+            <a:off x="1390523" y="561438"/>
+            <a:ext cx="1886100" cy="369300"/>
+          </a:xfrm>
+          <a:prstGeom prst="rect">
+            <a:avLst/>
+          </a:prstGeom>
+          <a:noFill/>
+          <a:ln>
+            <a:noFill/>
+          </a:ln>
+        </p:spPr>
+        <p:txBody>
+          <a:bodyPr anchorCtr="0" anchor="t" bIns="0" lIns="0" spcFirstLastPara="1" rIns="0" wrap="square" tIns="0">
+            <a:spAutoFit/>
+          </a:bodyPr>
+          <a:lstStyle/>
+          <a:p>
+            <a:pPr indent="0" lvl="0" marL="0" marR="0" rtl="0" algn="ctr">
+              <a:lnSpc>
+                <a:spcPct val="227791"/>
+              </a:lnSpc>
+              <a:spcBef>
+                <a:spcPts val="0"/>
+              </a:spcBef>
+              <a:spcAft>
+                <a:spcPts val="0"/>
+              </a:spcAft>
+              <a:buNone/>
+            </a:pPr>
+            <a:r>
+              <a:rPr b="1" lang="en-US" sz="2400">
+                <a:solidFill>
+                  <a:srgbClr val="00112D"/>
+                </a:solidFill>
+                <a:latin typeface="Montserrat"/>
+                <a:ea typeface="Montserrat"/>
+                <a:cs typeface="Montserrat"/>
+                <a:sym typeface="Montserrat"/>
+              </a:rPr>
+              <a:t>Tokeners</a:t>
+            </a:r>
+            <a:endParaRPr b="1" sz="6000">
+              <a:solidFill>
+                <a:srgbClr val="00112D"/>
+              </a:solidFill>
+              <a:latin typeface="Montserrat"/>
+              <a:ea typeface="Montserrat"/>
+              <a:cs typeface="Montserrat"/>
+              <a:sym typeface="Montserrat"/>
+            </a:endParaRPr>
           </a:p>
         </p:txBody>
       </p:sp>
@@ -16411,7 +16423,7 @@
     </p:bg>
     <p:spTree>
       <p:nvGrpSpPr>
-        <p:cNvPr id="372" name="Shape 372"/>
+        <p:cNvPr id="374" name="Shape 374"/>
         <p:cNvGrpSpPr/>
         <p:nvPr/>
       </p:nvGrpSpPr>
@@ -16425,7 +16437,7 @@
       </p:grpSpPr>
       <p:sp>
         <p:nvSpPr>
-          <p:cNvPr id="373" name="Google Shape;373;p24"/>
+          <p:cNvPr id="375" name="Google Shape;375;p24"/>
           <p:cNvSpPr/>
           <p:nvPr/>
         </p:nvSpPr>
@@ -16491,7 +16503,7 @@
       </p:sp>
       <p:grpSp>
         <p:nvGrpSpPr>
-          <p:cNvPr id="374" name="Google Shape;374;p24"/>
+          <p:cNvPr id="376" name="Google Shape;376;p24"/>
           <p:cNvGrpSpPr/>
           <p:nvPr/>
         </p:nvGrpSpPr>
@@ -16505,7 +16517,7 @@
         </p:grpSpPr>
         <p:sp>
           <p:nvSpPr>
-            <p:cNvPr id="375" name="Google Shape;375;p24"/>
+            <p:cNvPr id="377" name="Google Shape;377;p24"/>
             <p:cNvSpPr/>
             <p:nvPr/>
           </p:nvSpPr>
@@ -16596,7 +16608,7 @@
         </p:sp>
         <p:sp>
           <p:nvSpPr>
-            <p:cNvPr id="376" name="Google Shape;376;p24"/>
+            <p:cNvPr id="378" name="Google Shape;378;p24"/>
             <p:cNvSpPr txBox="1"/>
             <p:nvPr/>
           </p:nvSpPr>
@@ -16649,7 +16661,7 @@
       </p:grpSp>
       <p:sp>
         <p:nvSpPr>
-          <p:cNvPr id="377" name="Google Shape;377;p24"/>
+          <p:cNvPr id="379" name="Google Shape;379;p24"/>
           <p:cNvSpPr txBox="1"/>
           <p:nvPr/>
         </p:nvSpPr>
@@ -16699,7 +16711,7 @@
       </p:sp>
       <p:sp>
         <p:nvSpPr>
-          <p:cNvPr id="378" name="Google Shape;378;p24"/>
+          <p:cNvPr id="380" name="Google Shape;380;p24"/>
           <p:cNvSpPr txBox="1"/>
           <p:nvPr/>
         </p:nvSpPr>
@@ -16752,14 +16764,14 @@
       </p:sp>
       <p:sp>
         <p:nvSpPr>
-          <p:cNvPr id="379" name="Google Shape;379;p24"/>
+          <p:cNvPr id="381" name="Google Shape;381;p24"/>
           <p:cNvSpPr txBox="1"/>
           <p:nvPr/>
         </p:nvSpPr>
         <p:spPr>
           <a:xfrm>
             <a:off x="5150546" y="1848992"/>
-            <a:ext cx="7310908" cy="766255"/>
+            <a:ext cx="7311000" cy="841500"/>
           </a:xfrm>
           <a:prstGeom prst="rect">
             <a:avLst/>
@@ -16797,7 +16809,7 @@
                 <a:cs typeface="Montserrat"/>
                 <a:sym typeface="Montserrat"/>
               </a:rPr>
-              <a:t>Change</a:t>
+              <a:t>Password</a:t>
             </a:r>
             <a:endParaRPr/>
           </a:p>
@@ -16805,14 +16817,14 @@
       </p:sp>
       <p:sp>
         <p:nvSpPr>
-          <p:cNvPr id="380" name="Google Shape;380;p24"/>
+          <p:cNvPr id="382" name="Google Shape;382;p24"/>
           <p:cNvSpPr txBox="1"/>
           <p:nvPr/>
         </p:nvSpPr>
         <p:spPr>
           <a:xfrm>
             <a:off x="6589147" y="2699917"/>
-            <a:ext cx="4433705" cy="766255"/>
+            <a:ext cx="4433700" cy="841500"/>
           </a:xfrm>
           <a:prstGeom prst="rect">
             <a:avLst/>
@@ -16850,7 +16862,7 @@
                 <a:cs typeface="Montserrat"/>
                 <a:sym typeface="Montserrat"/>
               </a:rPr>
-              <a:t>Password</a:t>
+              <a:t>Recovery</a:t>
             </a:r>
             <a:endParaRPr/>
           </a:p>
@@ -16858,7 +16870,7 @@
       </p:sp>
       <p:grpSp>
         <p:nvGrpSpPr>
-          <p:cNvPr id="381" name="Google Shape;381;p24"/>
+          <p:cNvPr id="383" name="Google Shape;383;p24"/>
           <p:cNvGrpSpPr/>
           <p:nvPr/>
         </p:nvGrpSpPr>
@@ -16872,7 +16884,7 @@
         </p:grpSpPr>
         <p:sp>
           <p:nvSpPr>
-            <p:cNvPr id="382" name="Google Shape;382;p24"/>
+            <p:cNvPr id="384" name="Google Shape;384;p24"/>
             <p:cNvSpPr/>
             <p:nvPr/>
           </p:nvSpPr>
@@ -16963,7 +16975,7 @@
         </p:sp>
         <p:sp>
           <p:nvSpPr>
-            <p:cNvPr id="383" name="Google Shape;383;p24"/>
+            <p:cNvPr id="385" name="Google Shape;385;p24"/>
             <p:cNvSpPr txBox="1"/>
             <p:nvPr/>
           </p:nvSpPr>
@@ -17016,7 +17028,7 @@
       </p:grpSp>
       <p:grpSp>
         <p:nvGrpSpPr>
-          <p:cNvPr id="384" name="Google Shape;384;p24"/>
+          <p:cNvPr id="386" name="Google Shape;386;p24"/>
           <p:cNvGrpSpPr/>
           <p:nvPr/>
         </p:nvGrpSpPr>
@@ -17030,7 +17042,7 @@
         </p:grpSpPr>
         <p:sp>
           <p:nvSpPr>
-            <p:cNvPr id="385" name="Google Shape;385;p24"/>
+            <p:cNvPr id="387" name="Google Shape;387;p24"/>
             <p:cNvSpPr/>
             <p:nvPr/>
           </p:nvSpPr>
@@ -17121,7 +17133,7 @@
         </p:sp>
         <p:sp>
           <p:nvSpPr>
-            <p:cNvPr id="386" name="Google Shape;386;p24"/>
+            <p:cNvPr id="388" name="Google Shape;388;p24"/>
             <p:cNvSpPr txBox="1"/>
             <p:nvPr/>
           </p:nvSpPr>
@@ -17174,7 +17186,7 @@
       </p:grpSp>
       <p:pic>
         <p:nvPicPr>
-          <p:cNvPr descr="A blue and white logo&#10;&#10;Description automatically generated" id="387" name="Google Shape;387;p24"/>
+          <p:cNvPr descr="A blue and white logo&#10;&#10;Description automatically generated" id="389" name="Google Shape;389;p24"/>
           <p:cNvPicPr preferRelativeResize="0"/>
           <p:nvPr/>
         </p:nvPicPr>
@@ -17201,7 +17213,7 @@
       </p:pic>
       <p:sp>
         <p:nvSpPr>
-          <p:cNvPr id="388" name="Google Shape;388;p24"/>
+          <p:cNvPr id="390" name="Google Shape;390;p24"/>
           <p:cNvSpPr txBox="1"/>
           <p:nvPr/>
         </p:nvSpPr>
@@ -17262,7 +17274,7 @@
       </p:sp>
       <p:pic>
         <p:nvPicPr>
-          <p:cNvPr id="389" name="Google Shape;389;p24"/>
+          <p:cNvPr id="391" name="Google Shape;391;p24"/>
           <p:cNvPicPr preferRelativeResize="0"/>
           <p:nvPr/>
         </p:nvPicPr>
@@ -17289,7 +17301,7 @@
       </p:pic>
       <p:sp>
         <p:nvSpPr>
-          <p:cNvPr id="390" name="Google Shape;390;p24"/>
+          <p:cNvPr id="392" name="Google Shape;392;p24"/>
           <p:cNvSpPr txBox="1"/>
           <p:nvPr/>
         </p:nvSpPr>
@@ -17360,7 +17372,7 @@
     </p:bg>
     <p:spTree>
       <p:nvGrpSpPr>
-        <p:cNvPr id="394" name="Shape 394"/>
+        <p:cNvPr id="396" name="Shape 396"/>
         <p:cNvGrpSpPr/>
         <p:nvPr/>
       </p:nvGrpSpPr>
@@ -17374,7 +17386,7 @@
       </p:grpSpPr>
       <p:sp>
         <p:nvSpPr>
-          <p:cNvPr id="395" name="Google Shape;395;p25"/>
+          <p:cNvPr id="397" name="Google Shape;397;p25"/>
           <p:cNvSpPr/>
           <p:nvPr/>
         </p:nvSpPr>
@@ -17440,7 +17452,7 @@
       </p:sp>
       <p:grpSp>
         <p:nvGrpSpPr>
-          <p:cNvPr id="396" name="Google Shape;396;p25"/>
+          <p:cNvPr id="398" name="Google Shape;398;p25"/>
           <p:cNvGrpSpPr/>
           <p:nvPr/>
         </p:nvGrpSpPr>
@@ -17454,7 +17466,7 @@
         </p:grpSpPr>
         <p:sp>
           <p:nvSpPr>
-            <p:cNvPr id="397" name="Google Shape;397;p25"/>
+            <p:cNvPr id="399" name="Google Shape;399;p25"/>
             <p:cNvSpPr/>
             <p:nvPr/>
           </p:nvSpPr>
@@ -17545,7 +17557,7 @@
         </p:sp>
         <p:sp>
           <p:nvSpPr>
-            <p:cNvPr id="398" name="Google Shape;398;p25"/>
+            <p:cNvPr id="400" name="Google Shape;400;p25"/>
             <p:cNvSpPr txBox="1"/>
             <p:nvPr/>
           </p:nvSpPr>
@@ -17598,7 +17610,7 @@
       </p:grpSp>
       <p:sp>
         <p:nvSpPr>
-          <p:cNvPr id="399" name="Google Shape;399;p25"/>
+          <p:cNvPr id="401" name="Google Shape;401;p25"/>
           <p:cNvSpPr txBox="1"/>
           <p:nvPr/>
         </p:nvSpPr>
@@ -17648,7 +17660,7 @@
       </p:sp>
       <p:sp>
         <p:nvSpPr>
-          <p:cNvPr id="400" name="Google Shape;400;p25"/>
+          <p:cNvPr id="402" name="Google Shape;402;p25"/>
           <p:cNvSpPr txBox="1"/>
           <p:nvPr/>
         </p:nvSpPr>
@@ -17701,14 +17713,14 @@
       </p:sp>
       <p:sp>
         <p:nvSpPr>
-          <p:cNvPr id="401" name="Google Shape;401;p25"/>
+          <p:cNvPr id="403" name="Google Shape;403;p25"/>
           <p:cNvSpPr txBox="1"/>
           <p:nvPr/>
         </p:nvSpPr>
         <p:spPr>
           <a:xfrm>
             <a:off x="5150546" y="1848992"/>
-            <a:ext cx="7310908" cy="766255"/>
+            <a:ext cx="7311000" cy="841500"/>
           </a:xfrm>
           <a:prstGeom prst="rect">
             <a:avLst/>
@@ -17746,7 +17758,7 @@
                 <a:cs typeface="Montserrat"/>
                 <a:sym typeface="Montserrat"/>
               </a:rPr>
-              <a:t>Change</a:t>
+              <a:t>Password</a:t>
             </a:r>
             <a:endParaRPr/>
           </a:p>
@@ -17754,14 +17766,14 @@
       </p:sp>
       <p:sp>
         <p:nvSpPr>
-          <p:cNvPr id="402" name="Google Shape;402;p25"/>
+          <p:cNvPr id="404" name="Google Shape;404;p25"/>
           <p:cNvSpPr txBox="1"/>
           <p:nvPr/>
         </p:nvSpPr>
         <p:spPr>
           <a:xfrm>
             <a:off x="6589147" y="2699917"/>
-            <a:ext cx="4433705" cy="766255"/>
+            <a:ext cx="4433700" cy="841500"/>
           </a:xfrm>
           <a:prstGeom prst="rect">
             <a:avLst/>
@@ -17799,7 +17811,7 @@
                 <a:cs typeface="Montserrat"/>
                 <a:sym typeface="Montserrat"/>
               </a:rPr>
-              <a:t>Password</a:t>
+              <a:t>Recovery</a:t>
             </a:r>
             <a:endParaRPr/>
           </a:p>
@@ -17807,7 +17819,7 @@
       </p:sp>
       <p:grpSp>
         <p:nvGrpSpPr>
-          <p:cNvPr id="403" name="Google Shape;403;p25"/>
+          <p:cNvPr id="405" name="Google Shape;405;p25"/>
           <p:cNvGrpSpPr/>
           <p:nvPr/>
         </p:nvGrpSpPr>
@@ -17821,7 +17833,7 @@
         </p:grpSpPr>
         <p:sp>
           <p:nvSpPr>
-            <p:cNvPr id="404" name="Google Shape;404;p25"/>
+            <p:cNvPr id="406" name="Google Shape;406;p25"/>
             <p:cNvSpPr/>
             <p:nvPr/>
           </p:nvSpPr>
@@ -17912,7 +17924,7 @@
         </p:sp>
         <p:sp>
           <p:nvSpPr>
-            <p:cNvPr id="405" name="Google Shape;405;p25"/>
+            <p:cNvPr id="407" name="Google Shape;407;p25"/>
             <p:cNvSpPr txBox="1"/>
             <p:nvPr/>
           </p:nvSpPr>
@@ -17965,7 +17977,7 @@
       </p:grpSp>
       <p:sp>
         <p:nvSpPr>
-          <p:cNvPr id="406" name="Google Shape;406;p25"/>
+          <p:cNvPr id="408" name="Google Shape;408;p25"/>
           <p:cNvSpPr/>
           <p:nvPr/>
         </p:nvSpPr>
@@ -18022,7 +18034,7 @@
       </p:sp>
       <p:sp>
         <p:nvSpPr>
-          <p:cNvPr id="407" name="Google Shape;407;p25"/>
+          <p:cNvPr id="409" name="Google Shape;409;p25"/>
           <p:cNvSpPr/>
           <p:nvPr/>
         </p:nvSpPr>
@@ -18119,7 +18131,7 @@
       </p:sp>
       <p:sp>
         <p:nvSpPr>
-          <p:cNvPr id="408" name="Google Shape;408;p25"/>
+          <p:cNvPr id="410" name="Google Shape;410;p25"/>
           <p:cNvSpPr/>
           <p:nvPr/>
         </p:nvSpPr>
@@ -18216,7 +18228,7 @@
       </p:sp>
       <p:sp>
         <p:nvSpPr>
-          <p:cNvPr id="409" name="Google Shape;409;p25"/>
+          <p:cNvPr id="411" name="Google Shape;411;p25"/>
           <p:cNvSpPr/>
           <p:nvPr/>
         </p:nvSpPr>
@@ -18313,7 +18325,7 @@
       </p:sp>
       <p:sp>
         <p:nvSpPr>
-          <p:cNvPr id="410" name="Google Shape;410;p25"/>
+          <p:cNvPr id="412" name="Google Shape;412;p25"/>
           <p:cNvSpPr/>
           <p:nvPr/>
         </p:nvSpPr>
@@ -18410,7 +18422,7 @@
       </p:sp>
       <p:sp>
         <p:nvSpPr>
-          <p:cNvPr id="411" name="Google Shape;411;p25"/>
+          <p:cNvPr id="413" name="Google Shape;413;p25"/>
           <p:cNvSpPr/>
           <p:nvPr/>
         </p:nvSpPr>
@@ -18507,7 +18519,7 @@
       </p:sp>
       <p:sp>
         <p:nvSpPr>
-          <p:cNvPr id="412" name="Google Shape;412;p25"/>
+          <p:cNvPr id="414" name="Google Shape;414;p25"/>
           <p:cNvSpPr/>
           <p:nvPr/>
         </p:nvSpPr>
@@ -18604,7 +18616,7 @@
       </p:sp>
       <p:sp>
         <p:nvSpPr>
-          <p:cNvPr id="413" name="Google Shape;413;p25"/>
+          <p:cNvPr id="415" name="Google Shape;415;p25"/>
           <p:cNvSpPr/>
           <p:nvPr/>
         </p:nvSpPr>
@@ -18701,7 +18713,7 @@
       </p:sp>
       <p:sp>
         <p:nvSpPr>
-          <p:cNvPr id="414" name="Google Shape;414;p25"/>
+          <p:cNvPr id="416" name="Google Shape;416;p25"/>
           <p:cNvSpPr/>
           <p:nvPr/>
         </p:nvSpPr>
@@ -18798,7 +18810,7 @@
       </p:sp>
       <p:sp>
         <p:nvSpPr>
-          <p:cNvPr id="415" name="Google Shape;415;p25"/>
+          <p:cNvPr id="417" name="Google Shape;417;p25"/>
           <p:cNvSpPr/>
           <p:nvPr/>
         </p:nvSpPr>
@@ -18895,7 +18907,7 @@
       </p:sp>
       <p:sp>
         <p:nvSpPr>
-          <p:cNvPr id="416" name="Google Shape;416;p25"/>
+          <p:cNvPr id="418" name="Google Shape;418;p25"/>
           <p:cNvSpPr/>
           <p:nvPr/>
         </p:nvSpPr>
@@ -18992,7 +19004,7 @@
       </p:sp>
       <p:sp>
         <p:nvSpPr>
-          <p:cNvPr id="417" name="Google Shape;417;p25"/>
+          <p:cNvPr id="419" name="Google Shape;419;p25"/>
           <p:cNvSpPr txBox="1"/>
           <p:nvPr/>
         </p:nvSpPr>
@@ -19042,7 +19054,7 @@
       </p:sp>
       <p:sp>
         <p:nvSpPr>
-          <p:cNvPr id="418" name="Google Shape;418;p25"/>
+          <p:cNvPr id="420" name="Google Shape;420;p25"/>
           <p:cNvSpPr txBox="1"/>
           <p:nvPr/>
         </p:nvSpPr>
@@ -19092,7 +19104,7 @@
       </p:sp>
       <p:sp>
         <p:nvSpPr>
-          <p:cNvPr id="419" name="Google Shape;419;p25"/>
+          <p:cNvPr id="421" name="Google Shape;421;p25"/>
           <p:cNvSpPr txBox="1"/>
           <p:nvPr/>
         </p:nvSpPr>
@@ -19142,7 +19154,7 @@
       </p:sp>
       <p:sp>
         <p:nvSpPr>
-          <p:cNvPr id="420" name="Google Shape;420;p25"/>
+          <p:cNvPr id="422" name="Google Shape;422;p25"/>
           <p:cNvSpPr txBox="1"/>
           <p:nvPr/>
         </p:nvSpPr>
@@ -19192,7 +19204,7 @@
       </p:sp>
       <p:sp>
         <p:nvSpPr>
-          <p:cNvPr id="421" name="Google Shape;421;p25"/>
+          <p:cNvPr id="423" name="Google Shape;423;p25"/>
           <p:cNvSpPr txBox="1"/>
           <p:nvPr/>
         </p:nvSpPr>
@@ -19242,7 +19254,7 @@
       </p:sp>
       <p:grpSp>
         <p:nvGrpSpPr>
-          <p:cNvPr id="422" name="Google Shape;422;p25"/>
+          <p:cNvPr id="424" name="Google Shape;424;p25"/>
           <p:cNvGrpSpPr/>
           <p:nvPr/>
         </p:nvGrpSpPr>
@@ -19256,7 +19268,7 @@
         </p:grpSpPr>
         <p:sp>
           <p:nvSpPr>
-            <p:cNvPr id="423" name="Google Shape;423;p25"/>
+            <p:cNvPr id="425" name="Google Shape;425;p25"/>
             <p:cNvSpPr/>
             <p:nvPr/>
           </p:nvSpPr>
@@ -19347,7 +19359,7 @@
         </p:sp>
         <p:sp>
           <p:nvSpPr>
-            <p:cNvPr id="424" name="Google Shape;424;p25"/>
+            <p:cNvPr id="426" name="Google Shape;426;p25"/>
             <p:cNvSpPr txBox="1"/>
             <p:nvPr/>
           </p:nvSpPr>
@@ -19400,7 +19412,7 @@
       </p:grpSp>
       <p:pic>
         <p:nvPicPr>
-          <p:cNvPr descr="A blue and white logo&#10;&#10;Description automatically generated" id="425" name="Google Shape;425;p25"/>
+          <p:cNvPr descr="A blue and white logo&#10;&#10;Description automatically generated" id="427" name="Google Shape;427;p25"/>
           <p:cNvPicPr preferRelativeResize="0"/>
           <p:nvPr/>
         </p:nvPicPr>
@@ -19427,7 +19439,7 @@
       </p:pic>
       <p:sp>
         <p:nvSpPr>
-          <p:cNvPr id="426" name="Google Shape;426;p25"/>
+          <p:cNvPr id="428" name="Google Shape;428;p25"/>
           <p:cNvSpPr txBox="1"/>
           <p:nvPr/>
         </p:nvSpPr>
@@ -19488,7 +19500,7 @@
       </p:sp>
       <p:pic>
         <p:nvPicPr>
-          <p:cNvPr descr="A light bulb with a bullet inside&#10;&#10;Description automatically generated" id="427" name="Google Shape;427;p25"/>
+          <p:cNvPr descr="A light bulb with a bullet inside&#10;&#10;Description automatically generated" id="429" name="Google Shape;429;p25"/>
           <p:cNvPicPr preferRelativeResize="0"/>
           <p:nvPr/>
         </p:nvPicPr>
@@ -19515,7 +19527,7 @@
       </p:pic>
       <p:sp>
         <p:nvSpPr>
-          <p:cNvPr id="428" name="Google Shape;428;p25"/>
+          <p:cNvPr id="430" name="Google Shape;430;p25"/>
           <p:cNvSpPr txBox="1"/>
           <p:nvPr/>
         </p:nvSpPr>
@@ -19586,7 +19598,7 @@
     </p:bg>
     <p:spTree>
       <p:nvGrpSpPr>
-        <p:cNvPr id="432" name="Shape 432"/>
+        <p:cNvPr id="434" name="Shape 434"/>
         <p:cNvGrpSpPr/>
         <p:nvPr/>
       </p:nvGrpSpPr>
@@ -19600,7 +19612,7 @@
       </p:grpSpPr>
       <p:sp>
         <p:nvSpPr>
-          <p:cNvPr id="433" name="Google Shape;433;p26"/>
+          <p:cNvPr id="435" name="Google Shape;435;p26"/>
           <p:cNvSpPr/>
           <p:nvPr/>
         </p:nvSpPr>
@@ -19666,7 +19678,7 @@
       </p:sp>
       <p:sp>
         <p:nvSpPr>
-          <p:cNvPr id="434" name="Google Shape;434;p26"/>
+          <p:cNvPr id="436" name="Google Shape;436;p26"/>
           <p:cNvSpPr txBox="1"/>
           <p:nvPr/>
         </p:nvSpPr>
@@ -19718,7 +19730,7 @@
       </p:sp>
       <p:grpSp>
         <p:nvGrpSpPr>
-          <p:cNvPr id="435" name="Google Shape;435;p26"/>
+          <p:cNvPr id="437" name="Google Shape;437;p26"/>
           <p:cNvGrpSpPr/>
           <p:nvPr/>
         </p:nvGrpSpPr>
@@ -19732,7 +19744,7 @@
         </p:grpSpPr>
         <p:sp>
           <p:nvSpPr>
-            <p:cNvPr id="436" name="Google Shape;436;p26"/>
+            <p:cNvPr id="438" name="Google Shape;438;p26"/>
             <p:cNvSpPr/>
             <p:nvPr/>
           </p:nvSpPr>
@@ -19823,7 +19835,7 @@
         </p:sp>
         <p:sp>
           <p:nvSpPr>
-            <p:cNvPr id="437" name="Google Shape;437;p26"/>
+            <p:cNvPr id="439" name="Google Shape;439;p26"/>
             <p:cNvSpPr txBox="1"/>
             <p:nvPr/>
           </p:nvSpPr>
@@ -19876,7 +19888,7 @@
       </p:grpSp>
       <p:sp>
         <p:nvSpPr>
-          <p:cNvPr id="438" name="Google Shape;438;p26"/>
+          <p:cNvPr id="440" name="Google Shape;440;p26"/>
           <p:cNvSpPr txBox="1"/>
           <p:nvPr/>
         </p:nvSpPr>
@@ -19929,14 +19941,14 @@
       </p:sp>
       <p:sp>
         <p:nvSpPr>
-          <p:cNvPr id="439" name="Google Shape;439;p26"/>
+          <p:cNvPr id="441" name="Google Shape;441;p26"/>
           <p:cNvSpPr txBox="1"/>
           <p:nvPr/>
         </p:nvSpPr>
         <p:spPr>
           <a:xfrm>
             <a:off x="5150546" y="1848992"/>
-            <a:ext cx="7310908" cy="766255"/>
+            <a:ext cx="7311000" cy="841500"/>
           </a:xfrm>
           <a:prstGeom prst="rect">
             <a:avLst/>
@@ -19974,7 +19986,7 @@
                 <a:cs typeface="Montserrat"/>
                 <a:sym typeface="Montserrat"/>
               </a:rPr>
-              <a:t>Change</a:t>
+              <a:t>Password</a:t>
             </a:r>
             <a:endParaRPr/>
           </a:p>
@@ -19982,14 +19994,14 @@
       </p:sp>
       <p:sp>
         <p:nvSpPr>
-          <p:cNvPr id="440" name="Google Shape;440;p26"/>
+          <p:cNvPr id="442" name="Google Shape;442;p26"/>
           <p:cNvSpPr txBox="1"/>
           <p:nvPr/>
         </p:nvSpPr>
         <p:spPr>
           <a:xfrm>
             <a:off x="6589147" y="2699917"/>
-            <a:ext cx="4433705" cy="766255"/>
+            <a:ext cx="4433700" cy="841500"/>
           </a:xfrm>
           <a:prstGeom prst="rect">
             <a:avLst/>
@@ -20027,7 +20039,7 @@
                 <a:cs typeface="Montserrat"/>
                 <a:sym typeface="Montserrat"/>
               </a:rPr>
-              <a:t>Password</a:t>
+              <a:t>Recovery</a:t>
             </a:r>
             <a:endParaRPr/>
           </a:p>
@@ -20035,7 +20047,7 @@
       </p:sp>
       <p:sp>
         <p:nvSpPr>
-          <p:cNvPr id="441" name="Google Shape;441;p26"/>
+          <p:cNvPr id="443" name="Google Shape;443;p26"/>
           <p:cNvSpPr/>
           <p:nvPr/>
         </p:nvSpPr>
@@ -20100,7 +20112,7 @@
       </p:sp>
       <p:sp>
         <p:nvSpPr>
-          <p:cNvPr id="442" name="Google Shape;442;p26"/>
+          <p:cNvPr id="444" name="Google Shape;444;p26"/>
           <p:cNvSpPr/>
           <p:nvPr/>
         </p:nvSpPr>
@@ -20165,7 +20177,7 @@
       </p:sp>
       <p:sp>
         <p:nvSpPr>
-          <p:cNvPr id="443" name="Google Shape;443;p26"/>
+          <p:cNvPr id="445" name="Google Shape;445;p26"/>
           <p:cNvSpPr/>
           <p:nvPr/>
         </p:nvSpPr>
@@ -20230,7 +20242,7 @@
       </p:sp>
       <p:sp>
         <p:nvSpPr>
-          <p:cNvPr id="444" name="Google Shape;444;p26"/>
+          <p:cNvPr id="446" name="Google Shape;446;p26"/>
           <p:cNvSpPr/>
           <p:nvPr/>
         </p:nvSpPr>
@@ -20290,7 +20302,7 @@
       </p:sp>
       <p:sp>
         <p:nvSpPr>
-          <p:cNvPr id="445" name="Google Shape;445;p26"/>
+          <p:cNvPr id="447" name="Google Shape;447;p26"/>
           <p:cNvSpPr/>
           <p:nvPr/>
         </p:nvSpPr>
@@ -20350,7 +20362,7 @@
       </p:sp>
       <p:sp>
         <p:nvSpPr>
-          <p:cNvPr id="446" name="Google Shape;446;p26"/>
+          <p:cNvPr id="448" name="Google Shape;448;p26"/>
           <p:cNvSpPr/>
           <p:nvPr/>
         </p:nvSpPr>
@@ -20415,7 +20427,7 @@
       </p:sp>
       <p:sp>
         <p:nvSpPr>
-          <p:cNvPr id="447" name="Google Shape;447;p26"/>
+          <p:cNvPr id="449" name="Google Shape;449;p26"/>
           <p:cNvSpPr/>
           <p:nvPr/>
         </p:nvSpPr>
@@ -20473,7 +20485,7 @@
       </p:sp>
       <p:sp>
         <p:nvSpPr>
-          <p:cNvPr id="448" name="Google Shape;448;p26"/>
+          <p:cNvPr id="450" name="Google Shape;450;p26"/>
           <p:cNvSpPr/>
           <p:nvPr/>
         </p:nvSpPr>
@@ -20531,7 +20543,7 @@
       </p:sp>
       <p:sp>
         <p:nvSpPr>
-          <p:cNvPr id="449" name="Google Shape;449;p26"/>
+          <p:cNvPr id="451" name="Google Shape;451;p26"/>
           <p:cNvSpPr/>
           <p:nvPr/>
         </p:nvSpPr>
@@ -20589,7 +20601,7 @@
       </p:sp>
       <p:sp>
         <p:nvSpPr>
-          <p:cNvPr id="450" name="Google Shape;450;p26"/>
+          <p:cNvPr id="452" name="Google Shape;452;p26"/>
           <p:cNvSpPr/>
           <p:nvPr/>
         </p:nvSpPr>
@@ -20647,7 +20659,7 @@
       </p:sp>
       <p:sp>
         <p:nvSpPr>
-          <p:cNvPr id="451" name="Google Shape;451;p26"/>
+          <p:cNvPr id="453" name="Google Shape;453;p26"/>
           <p:cNvSpPr/>
           <p:nvPr/>
         </p:nvSpPr>
@@ -20705,7 +20717,7 @@
       </p:sp>
       <p:sp>
         <p:nvSpPr>
-          <p:cNvPr id="452" name="Google Shape;452;p26"/>
+          <p:cNvPr id="454" name="Google Shape;454;p26"/>
           <p:cNvSpPr/>
           <p:nvPr/>
         </p:nvSpPr>
@@ -20763,7 +20775,7 @@
       </p:sp>
       <p:sp>
         <p:nvSpPr>
-          <p:cNvPr id="453" name="Google Shape;453;p26"/>
+          <p:cNvPr id="455" name="Google Shape;455;p26"/>
           <p:cNvSpPr txBox="1"/>
           <p:nvPr/>
         </p:nvSpPr>
@@ -20821,7 +20833,7 @@
       </p:sp>
       <p:pic>
         <p:nvPicPr>
-          <p:cNvPr descr="A blue and white logo&#10;&#10;Description automatically generated" id="454" name="Google Shape;454;p26"/>
+          <p:cNvPr descr="A blue and white logo&#10;&#10;Description automatically generated" id="456" name="Google Shape;456;p26"/>
           <p:cNvPicPr preferRelativeResize="0"/>
           <p:nvPr/>
         </p:nvPicPr>
@@ -20848,7 +20860,7 @@
       </p:pic>
       <p:sp>
         <p:nvSpPr>
-          <p:cNvPr id="455" name="Google Shape;455;p26"/>
+          <p:cNvPr id="457" name="Google Shape;457;p26"/>
           <p:cNvSpPr txBox="1"/>
           <p:nvPr/>
         </p:nvSpPr>
@@ -20909,7 +20921,7 @@
       </p:sp>
       <p:grpSp>
         <p:nvGrpSpPr>
-          <p:cNvPr id="456" name="Google Shape;456;p26"/>
+          <p:cNvPr id="458" name="Google Shape;458;p26"/>
           <p:cNvGrpSpPr/>
           <p:nvPr/>
         </p:nvGrpSpPr>
@@ -20923,7 +20935,7 @@
         </p:grpSpPr>
         <p:sp>
           <p:nvSpPr>
-            <p:cNvPr id="457" name="Google Shape;457;p26"/>
+            <p:cNvPr id="459" name="Google Shape;459;p26"/>
             <p:cNvSpPr/>
             <p:nvPr/>
           </p:nvSpPr>
@@ -21014,7 +21026,7 @@
         </p:sp>
         <p:sp>
           <p:nvSpPr>
-            <p:cNvPr id="458" name="Google Shape;458;p26"/>
+            <p:cNvPr id="460" name="Google Shape;460;p26"/>
             <p:cNvSpPr txBox="1"/>
             <p:nvPr/>
           </p:nvSpPr>
@@ -21067,7 +21079,7 @@
       </p:grpSp>
       <p:grpSp>
         <p:nvGrpSpPr>
-          <p:cNvPr id="459" name="Google Shape;459;p26"/>
+          <p:cNvPr id="461" name="Google Shape;461;p26"/>
           <p:cNvGrpSpPr/>
           <p:nvPr/>
         </p:nvGrpSpPr>
@@ -21081,7 +21093,7 @@
         </p:grpSpPr>
         <p:sp>
           <p:nvSpPr>
-            <p:cNvPr id="460" name="Google Shape;460;p26"/>
+            <p:cNvPr id="462" name="Google Shape;462;p26"/>
             <p:cNvSpPr/>
             <p:nvPr/>
           </p:nvSpPr>
@@ -21172,7 +21184,7 @@
         </p:sp>
         <p:sp>
           <p:nvSpPr>
-            <p:cNvPr id="461" name="Google Shape;461;p26"/>
+            <p:cNvPr id="463" name="Google Shape;463;p26"/>
             <p:cNvSpPr txBox="1"/>
             <p:nvPr/>
           </p:nvSpPr>
@@ -21225,7 +21237,7 @@
       </p:grpSp>
       <p:sp>
         <p:nvSpPr>
-          <p:cNvPr id="462" name="Google Shape;462;p26"/>
+          <p:cNvPr id="464" name="Google Shape;464;p26"/>
           <p:cNvSpPr txBox="1"/>
           <p:nvPr/>
         </p:nvSpPr>
@@ -21296,7 +21308,7 @@
     </p:bg>
     <p:spTree>
       <p:nvGrpSpPr>
-        <p:cNvPr id="466" name="Shape 466"/>
+        <p:cNvPr id="468" name="Shape 468"/>
         <p:cNvGrpSpPr/>
         <p:nvPr/>
       </p:nvGrpSpPr>
@@ -21310,7 +21322,7 @@
       </p:grpSpPr>
       <p:sp>
         <p:nvSpPr>
-          <p:cNvPr id="467" name="Google Shape;467;p27"/>
+          <p:cNvPr id="469" name="Google Shape;469;p27"/>
           <p:cNvSpPr/>
           <p:nvPr/>
         </p:nvSpPr>
@@ -21376,7 +21388,7 @@
       </p:sp>
       <p:sp>
         <p:nvSpPr>
-          <p:cNvPr id="468" name="Google Shape;468;p27"/>
+          <p:cNvPr id="470" name="Google Shape;470;p27"/>
           <p:cNvSpPr txBox="1"/>
           <p:nvPr/>
         </p:nvSpPr>
@@ -21428,7 +21440,7 @@
       </p:sp>
       <p:sp>
         <p:nvSpPr>
-          <p:cNvPr id="469" name="Google Shape;469;p27"/>
+          <p:cNvPr id="471" name="Google Shape;471;p27"/>
           <p:cNvSpPr txBox="1"/>
           <p:nvPr/>
         </p:nvSpPr>
@@ -21481,14 +21493,14 @@
       </p:sp>
       <p:sp>
         <p:nvSpPr>
-          <p:cNvPr id="470" name="Google Shape;470;p27"/>
+          <p:cNvPr id="472" name="Google Shape;472;p27"/>
           <p:cNvSpPr txBox="1"/>
           <p:nvPr/>
         </p:nvSpPr>
         <p:spPr>
           <a:xfrm>
             <a:off x="5150546" y="1848992"/>
-            <a:ext cx="7310908" cy="766255"/>
+            <a:ext cx="7311000" cy="841500"/>
           </a:xfrm>
           <a:prstGeom prst="rect">
             <a:avLst/>
@@ -21526,7 +21538,7 @@
                 <a:cs typeface="Montserrat"/>
                 <a:sym typeface="Montserrat"/>
               </a:rPr>
-              <a:t>Change</a:t>
+              <a:t>Password</a:t>
             </a:r>
             <a:endParaRPr/>
           </a:p>
@@ -21534,14 +21546,14 @@
       </p:sp>
       <p:sp>
         <p:nvSpPr>
-          <p:cNvPr id="471" name="Google Shape;471;p27"/>
+          <p:cNvPr id="473" name="Google Shape;473;p27"/>
           <p:cNvSpPr txBox="1"/>
           <p:nvPr/>
         </p:nvSpPr>
         <p:spPr>
           <a:xfrm>
             <a:off x="6589147" y="2699917"/>
-            <a:ext cx="4433705" cy="766255"/>
+            <a:ext cx="4433700" cy="841500"/>
           </a:xfrm>
           <a:prstGeom prst="rect">
             <a:avLst/>
@@ -21579,7 +21591,7 @@
                 <a:cs typeface="Montserrat"/>
                 <a:sym typeface="Montserrat"/>
               </a:rPr>
-              <a:t>Password</a:t>
+              <a:t>Recovery</a:t>
             </a:r>
             <a:endParaRPr/>
           </a:p>
@@ -21587,7 +21599,7 @@
       </p:sp>
       <p:pic>
         <p:nvPicPr>
-          <p:cNvPr descr="A screenshot of a login box&#10;&#10;Description automatically generated" id="472" name="Google Shape;472;p27"/>
+          <p:cNvPr descr="A screenshot of a login box&#10;&#10;Description automatically generated" id="474" name="Google Shape;474;p27"/>
           <p:cNvPicPr preferRelativeResize="0"/>
           <p:nvPr/>
         </p:nvPicPr>
@@ -21614,7 +21626,7 @@
       </p:pic>
       <p:sp>
         <p:nvSpPr>
-          <p:cNvPr id="473" name="Google Shape;473;p27"/>
+          <p:cNvPr id="475" name="Google Shape;475;p27"/>
           <p:cNvSpPr/>
           <p:nvPr/>
         </p:nvSpPr>
@@ -21669,7 +21681,7 @@
       </p:sp>
       <p:cxnSp>
         <p:nvCxnSpPr>
-          <p:cNvPr id="474" name="Google Shape;474;p27"/>
+          <p:cNvPr id="476" name="Google Shape;476;p27"/>
           <p:cNvCxnSpPr/>
           <p:nvPr/>
         </p:nvCxnSpPr>
@@ -21695,7 +21707,7 @@
       </p:cxnSp>
       <p:pic>
         <p:nvPicPr>
-          <p:cNvPr descr="A blue and white logo&#10;&#10;Description automatically generated" id="475" name="Google Shape;475;p27"/>
+          <p:cNvPr descr="A blue and white logo&#10;&#10;Description automatically generated" id="477" name="Google Shape;477;p27"/>
           <p:cNvPicPr preferRelativeResize="0"/>
           <p:nvPr/>
         </p:nvPicPr>
@@ -21722,7 +21734,7 @@
       </p:pic>
       <p:sp>
         <p:nvSpPr>
-          <p:cNvPr id="476" name="Google Shape;476;p27"/>
+          <p:cNvPr id="478" name="Google Shape;478;p27"/>
           <p:cNvSpPr txBox="1"/>
           <p:nvPr/>
         </p:nvSpPr>
@@ -21783,7 +21795,7 @@
       </p:sp>
       <p:grpSp>
         <p:nvGrpSpPr>
-          <p:cNvPr id="477" name="Google Shape;477;p27"/>
+          <p:cNvPr id="479" name="Google Shape;479;p27"/>
           <p:cNvGrpSpPr/>
           <p:nvPr/>
         </p:nvGrpSpPr>
@@ -21797,7 +21809,7 @@
         </p:grpSpPr>
         <p:sp>
           <p:nvSpPr>
-            <p:cNvPr id="478" name="Google Shape;478;p27"/>
+            <p:cNvPr id="480" name="Google Shape;480;p27"/>
             <p:cNvSpPr/>
             <p:nvPr/>
           </p:nvSpPr>
@@ -21888,7 +21900,7 @@
         </p:sp>
         <p:sp>
           <p:nvSpPr>
-            <p:cNvPr id="479" name="Google Shape;479;p27"/>
+            <p:cNvPr id="481" name="Google Shape;481;p27"/>
             <p:cNvSpPr txBox="1"/>
             <p:nvPr/>
           </p:nvSpPr>
@@ -21941,7 +21953,7 @@
       </p:grpSp>
       <p:grpSp>
         <p:nvGrpSpPr>
-          <p:cNvPr id="480" name="Google Shape;480;p27"/>
+          <p:cNvPr id="482" name="Google Shape;482;p27"/>
           <p:cNvGrpSpPr/>
           <p:nvPr/>
         </p:nvGrpSpPr>
@@ -21955,7 +21967,7 @@
         </p:grpSpPr>
         <p:sp>
           <p:nvSpPr>
-            <p:cNvPr id="481" name="Google Shape;481;p27"/>
+            <p:cNvPr id="483" name="Google Shape;483;p27"/>
             <p:cNvSpPr/>
             <p:nvPr/>
           </p:nvSpPr>
@@ -22046,7 +22058,7 @@
         </p:sp>
         <p:sp>
           <p:nvSpPr>
-            <p:cNvPr id="482" name="Google Shape;482;p27"/>
+            <p:cNvPr id="484" name="Google Shape;484;p27"/>
             <p:cNvSpPr txBox="1"/>
             <p:nvPr/>
           </p:nvSpPr>
@@ -22099,7 +22111,7 @@
       </p:grpSp>
       <p:grpSp>
         <p:nvGrpSpPr>
-          <p:cNvPr id="483" name="Google Shape;483;p27"/>
+          <p:cNvPr id="485" name="Google Shape;485;p27"/>
           <p:cNvGrpSpPr/>
           <p:nvPr/>
         </p:nvGrpSpPr>
@@ -22113,7 +22125,7 @@
         </p:grpSpPr>
         <p:sp>
           <p:nvSpPr>
-            <p:cNvPr id="484" name="Google Shape;484;p27"/>
+            <p:cNvPr id="486" name="Google Shape;486;p27"/>
             <p:cNvSpPr/>
             <p:nvPr/>
           </p:nvSpPr>
@@ -22204,7 +22216,7 @@
         </p:sp>
         <p:sp>
           <p:nvSpPr>
-            <p:cNvPr id="485" name="Google Shape;485;p27"/>
+            <p:cNvPr id="487" name="Google Shape;487;p27"/>
             <p:cNvSpPr txBox="1"/>
             <p:nvPr/>
           </p:nvSpPr>
@@ -22257,7 +22269,7 @@
       </p:grpSp>
       <p:sp>
         <p:nvSpPr>
-          <p:cNvPr id="486" name="Google Shape;486;p27"/>
+          <p:cNvPr id="488" name="Google Shape;488;p27"/>
           <p:cNvSpPr txBox="1"/>
           <p:nvPr/>
         </p:nvSpPr>
@@ -22328,7 +22340,7 @@
     </p:bg>
     <p:spTree>
       <p:nvGrpSpPr>
-        <p:cNvPr id="490" name="Shape 490"/>
+        <p:cNvPr id="492" name="Shape 492"/>
         <p:cNvGrpSpPr/>
         <p:nvPr/>
       </p:nvGrpSpPr>
@@ -22342,7 +22354,7 @@
       </p:grpSpPr>
       <p:sp>
         <p:nvSpPr>
-          <p:cNvPr id="491" name="Google Shape;491;p28"/>
+          <p:cNvPr id="493" name="Google Shape;493;p28"/>
           <p:cNvSpPr/>
           <p:nvPr/>
         </p:nvSpPr>
@@ -22408,7 +22420,7 @@
       </p:sp>
       <p:grpSp>
         <p:nvGrpSpPr>
-          <p:cNvPr id="492" name="Google Shape;492;p28"/>
+          <p:cNvPr id="494" name="Google Shape;494;p28"/>
           <p:cNvGrpSpPr/>
           <p:nvPr/>
         </p:nvGrpSpPr>
@@ -22422,7 +22434,7 @@
         </p:grpSpPr>
         <p:sp>
           <p:nvSpPr>
-            <p:cNvPr id="493" name="Google Shape;493;p28"/>
+            <p:cNvPr id="495" name="Google Shape;495;p28"/>
             <p:cNvSpPr/>
             <p:nvPr/>
           </p:nvSpPr>
@@ -22513,7 +22525,7 @@
         </p:sp>
         <p:sp>
           <p:nvSpPr>
-            <p:cNvPr id="494" name="Google Shape;494;p28"/>
+            <p:cNvPr id="496" name="Google Shape;496;p28"/>
             <p:cNvSpPr txBox="1"/>
             <p:nvPr/>
           </p:nvSpPr>
@@ -22566,7 +22578,7 @@
       </p:grpSp>
       <p:grpSp>
         <p:nvGrpSpPr>
-          <p:cNvPr id="495" name="Google Shape;495;p28"/>
+          <p:cNvPr id="497" name="Google Shape;497;p28"/>
           <p:cNvGrpSpPr/>
           <p:nvPr/>
         </p:nvGrpSpPr>
@@ -22580,7 +22592,7 @@
         </p:grpSpPr>
         <p:sp>
           <p:nvSpPr>
-            <p:cNvPr id="496" name="Google Shape;496;p28"/>
+            <p:cNvPr id="498" name="Google Shape;498;p28"/>
             <p:cNvSpPr/>
             <p:nvPr/>
           </p:nvSpPr>
@@ -22671,7 +22683,7 @@
         </p:sp>
         <p:sp>
           <p:nvSpPr>
-            <p:cNvPr id="497" name="Google Shape;497;p28"/>
+            <p:cNvPr id="499" name="Google Shape;499;p28"/>
             <p:cNvSpPr txBox="1"/>
             <p:nvPr/>
           </p:nvSpPr>
@@ -22724,7 +22736,7 @@
       </p:grpSp>
       <p:grpSp>
         <p:nvGrpSpPr>
-          <p:cNvPr id="498" name="Google Shape;498;p28"/>
+          <p:cNvPr id="500" name="Google Shape;500;p28"/>
           <p:cNvGrpSpPr/>
           <p:nvPr/>
         </p:nvGrpSpPr>
@@ -22738,7 +22750,7 @@
         </p:grpSpPr>
         <p:sp>
           <p:nvSpPr>
-            <p:cNvPr id="499" name="Google Shape;499;p28"/>
+            <p:cNvPr id="501" name="Google Shape;501;p28"/>
             <p:cNvSpPr/>
             <p:nvPr/>
           </p:nvSpPr>
@@ -22829,7 +22841,7 @@
         </p:sp>
         <p:sp>
           <p:nvSpPr>
-            <p:cNvPr id="500" name="Google Shape;500;p28"/>
+            <p:cNvPr id="502" name="Google Shape;502;p28"/>
             <p:cNvSpPr txBox="1"/>
             <p:nvPr/>
           </p:nvSpPr>
@@ -22882,7 +22894,7 @@
       </p:grpSp>
       <p:sp>
         <p:nvSpPr>
-          <p:cNvPr id="501" name="Google Shape;501;p28"/>
+          <p:cNvPr id="503" name="Google Shape;503;p28"/>
           <p:cNvSpPr txBox="1"/>
           <p:nvPr/>
         </p:nvSpPr>
@@ -22934,7 +22946,7 @@
       </p:sp>
       <p:sp>
         <p:nvSpPr>
-          <p:cNvPr id="502" name="Google Shape;502;p28"/>
+          <p:cNvPr id="504" name="Google Shape;504;p28"/>
           <p:cNvSpPr txBox="1"/>
           <p:nvPr/>
         </p:nvSpPr>
@@ -22987,7 +22999,7 @@
       </p:sp>
       <p:pic>
         <p:nvPicPr>
-          <p:cNvPr descr="A blue and white logo&#10;&#10;Description automatically generated" id="503" name="Google Shape;503;p28"/>
+          <p:cNvPr descr="A blue and white logo&#10;&#10;Description automatically generated" id="505" name="Google Shape;505;p28"/>
           <p:cNvPicPr preferRelativeResize="0"/>
           <p:nvPr/>
         </p:nvPicPr>
@@ -23014,7 +23026,7 @@
       </p:pic>
       <p:sp>
         <p:nvSpPr>
-          <p:cNvPr id="504" name="Google Shape;504;p28"/>
+          <p:cNvPr id="506" name="Google Shape;506;p28"/>
           <p:cNvSpPr txBox="1"/>
           <p:nvPr/>
         </p:nvSpPr>
@@ -23075,7 +23087,7 @@
       </p:sp>
       <p:sp>
         <p:nvSpPr>
-          <p:cNvPr id="505" name="Google Shape;505;p28"/>
+          <p:cNvPr id="507" name="Google Shape;507;p28"/>
           <p:cNvSpPr txBox="1"/>
           <p:nvPr/>
         </p:nvSpPr>
@@ -23128,14 +23140,14 @@
       </p:sp>
       <p:sp>
         <p:nvSpPr>
-          <p:cNvPr id="506" name="Google Shape;506;p28"/>
+          <p:cNvPr id="508" name="Google Shape;508;p28"/>
           <p:cNvSpPr txBox="1"/>
           <p:nvPr/>
         </p:nvSpPr>
         <p:spPr>
           <a:xfrm>
-            <a:off x="6241450" y="2699917"/>
-            <a:ext cx="5129101" cy="766255"/>
+            <a:off x="5906725" y="2758950"/>
+            <a:ext cx="5936100" cy="841500"/>
           </a:xfrm>
           <a:prstGeom prst="rect">
             <a:avLst/>
@@ -23181,7 +23193,7 @@
       </p:sp>
       <p:sp>
         <p:nvSpPr>
-          <p:cNvPr id="507" name="Google Shape;507;p28"/>
+          <p:cNvPr id="509" name="Google Shape;509;p28"/>
           <p:cNvSpPr txBox="1"/>
           <p:nvPr/>
         </p:nvSpPr>
@@ -23231,7 +23243,7 @@
       </p:sp>
       <p:pic>
         <p:nvPicPr>
-          <p:cNvPr id="508" name="Google Shape;508;p28"/>
+          <p:cNvPr id="510" name="Google Shape;510;p28"/>
           <p:cNvPicPr preferRelativeResize="0"/>
           <p:nvPr/>
         </p:nvPicPr>
@@ -23258,7 +23270,7 @@
       </p:pic>
       <p:sp>
         <p:nvSpPr>
-          <p:cNvPr id="509" name="Google Shape;509;p28"/>
+          <p:cNvPr id="511" name="Google Shape;511;p28"/>
           <p:cNvSpPr txBox="1"/>
           <p:nvPr/>
         </p:nvSpPr>
@@ -23329,7 +23341,7 @@
     </p:bg>
     <p:spTree>
       <p:nvGrpSpPr>
-        <p:cNvPr id="513" name="Shape 513"/>
+        <p:cNvPr id="515" name="Shape 515"/>
         <p:cNvGrpSpPr/>
         <p:nvPr/>
       </p:nvGrpSpPr>
@@ -23343,7 +23355,7 @@
       </p:grpSpPr>
       <p:sp>
         <p:nvSpPr>
-          <p:cNvPr id="514" name="Google Shape;514;p29"/>
+          <p:cNvPr id="516" name="Google Shape;516;p29"/>
           <p:cNvSpPr/>
           <p:nvPr/>
         </p:nvSpPr>
@@ -23409,7 +23421,7 @@
       </p:sp>
       <p:grpSp>
         <p:nvGrpSpPr>
-          <p:cNvPr id="515" name="Google Shape;515;p29"/>
+          <p:cNvPr id="517" name="Google Shape;517;p29"/>
           <p:cNvGrpSpPr/>
           <p:nvPr/>
         </p:nvGrpSpPr>
@@ -23423,7 +23435,7 @@
         </p:grpSpPr>
         <p:sp>
           <p:nvSpPr>
-            <p:cNvPr id="516" name="Google Shape;516;p29"/>
+            <p:cNvPr id="518" name="Google Shape;518;p29"/>
             <p:cNvSpPr/>
             <p:nvPr/>
           </p:nvSpPr>
@@ -23514,7 +23526,7 @@
         </p:sp>
         <p:sp>
           <p:nvSpPr>
-            <p:cNvPr id="517" name="Google Shape;517;p29"/>
+            <p:cNvPr id="519" name="Google Shape;519;p29"/>
             <p:cNvSpPr txBox="1"/>
             <p:nvPr/>
           </p:nvSpPr>
@@ -23567,7 +23579,7 @@
       </p:grpSp>
       <p:grpSp>
         <p:nvGrpSpPr>
-          <p:cNvPr id="518" name="Google Shape;518;p29"/>
+          <p:cNvPr id="520" name="Google Shape;520;p29"/>
           <p:cNvGrpSpPr/>
           <p:nvPr/>
         </p:nvGrpSpPr>
@@ -23581,7 +23593,7 @@
         </p:grpSpPr>
         <p:sp>
           <p:nvSpPr>
-            <p:cNvPr id="519" name="Google Shape;519;p29"/>
+            <p:cNvPr id="521" name="Google Shape;521;p29"/>
             <p:cNvSpPr/>
             <p:nvPr/>
           </p:nvSpPr>
@@ -23672,7 +23684,7 @@
         </p:sp>
         <p:sp>
           <p:nvSpPr>
-            <p:cNvPr id="520" name="Google Shape;520;p29"/>
+            <p:cNvPr id="522" name="Google Shape;522;p29"/>
             <p:cNvSpPr txBox="1"/>
             <p:nvPr/>
           </p:nvSpPr>
@@ -23725,7 +23737,7 @@
       </p:grpSp>
       <p:grpSp>
         <p:nvGrpSpPr>
-          <p:cNvPr id="521" name="Google Shape;521;p29"/>
+          <p:cNvPr id="523" name="Google Shape;523;p29"/>
           <p:cNvGrpSpPr/>
           <p:nvPr/>
         </p:nvGrpSpPr>
@@ -23739,7 +23751,7 @@
         </p:grpSpPr>
         <p:sp>
           <p:nvSpPr>
-            <p:cNvPr id="522" name="Google Shape;522;p29"/>
+            <p:cNvPr id="524" name="Google Shape;524;p29"/>
             <p:cNvSpPr/>
             <p:nvPr/>
           </p:nvSpPr>
@@ -23830,7 +23842,7 @@
         </p:sp>
         <p:sp>
           <p:nvSpPr>
-            <p:cNvPr id="523" name="Google Shape;523;p29"/>
+            <p:cNvPr id="525" name="Google Shape;525;p29"/>
             <p:cNvSpPr txBox="1"/>
             <p:nvPr/>
           </p:nvSpPr>
@@ -23883,7 +23895,7 @@
       </p:grpSp>
       <p:sp>
         <p:nvSpPr>
-          <p:cNvPr id="524" name="Google Shape;524;p29"/>
+          <p:cNvPr id="526" name="Google Shape;526;p29"/>
           <p:cNvSpPr txBox="1"/>
           <p:nvPr/>
         </p:nvSpPr>
@@ -23935,7 +23947,7 @@
       </p:sp>
       <p:sp>
         <p:nvSpPr>
-          <p:cNvPr id="525" name="Google Shape;525;p29"/>
+          <p:cNvPr id="527" name="Google Shape;527;p29"/>
           <p:cNvSpPr txBox="1"/>
           <p:nvPr/>
         </p:nvSpPr>
@@ -23988,7 +24000,7 @@
       </p:sp>
       <p:pic>
         <p:nvPicPr>
-          <p:cNvPr descr="A blue and white logo&#10;&#10;Description automatically generated" id="526" name="Google Shape;526;p29"/>
+          <p:cNvPr descr="A blue and white logo&#10;&#10;Description automatically generated" id="528" name="Google Shape;528;p29"/>
           <p:cNvPicPr preferRelativeResize="0"/>
           <p:nvPr/>
         </p:nvPicPr>
@@ -24015,7 +24027,7 @@
       </p:pic>
       <p:sp>
         <p:nvSpPr>
-          <p:cNvPr id="527" name="Google Shape;527;p29"/>
+          <p:cNvPr id="529" name="Google Shape;529;p29"/>
           <p:cNvSpPr txBox="1"/>
           <p:nvPr/>
         </p:nvSpPr>
@@ -24076,7 +24088,7 @@
       </p:sp>
       <p:sp>
         <p:nvSpPr>
-          <p:cNvPr id="528" name="Google Shape;528;p29"/>
+          <p:cNvPr id="530" name="Google Shape;530;p29"/>
           <p:cNvSpPr txBox="1"/>
           <p:nvPr/>
         </p:nvSpPr>
@@ -24129,14 +24141,14 @@
       </p:sp>
       <p:sp>
         <p:nvSpPr>
-          <p:cNvPr id="529" name="Google Shape;529;p29"/>
+          <p:cNvPr id="531" name="Google Shape;531;p29"/>
           <p:cNvSpPr txBox="1"/>
           <p:nvPr/>
         </p:nvSpPr>
         <p:spPr>
           <a:xfrm>
-            <a:off x="6241450" y="2699917"/>
-            <a:ext cx="5129101" cy="766255"/>
+            <a:off x="5808550" y="2756600"/>
+            <a:ext cx="5994900" cy="841500"/>
           </a:xfrm>
           <a:prstGeom prst="rect">
             <a:avLst/>
@@ -24182,7 +24194,7 @@
       </p:sp>
       <p:sp>
         <p:nvSpPr>
-          <p:cNvPr id="530" name="Google Shape;530;p29"/>
+          <p:cNvPr id="532" name="Google Shape;532;p29"/>
           <p:cNvSpPr/>
           <p:nvPr/>
         </p:nvSpPr>
@@ -24236,7 +24248,7 @@
       </p:sp>
       <p:sp>
         <p:nvSpPr>
-          <p:cNvPr id="531" name="Google Shape;531;p29"/>
+          <p:cNvPr id="533" name="Google Shape;533;p29"/>
           <p:cNvSpPr/>
           <p:nvPr/>
         </p:nvSpPr>
@@ -24290,7 +24302,7 @@
       </p:sp>
       <p:sp>
         <p:nvSpPr>
-          <p:cNvPr id="532" name="Google Shape;532;p29"/>
+          <p:cNvPr id="534" name="Google Shape;534;p29"/>
           <p:cNvSpPr/>
           <p:nvPr/>
         </p:nvSpPr>
@@ -24355,7 +24367,7 @@
       </p:sp>
       <p:sp>
         <p:nvSpPr>
-          <p:cNvPr id="533" name="Google Shape;533;p29"/>
+          <p:cNvPr id="535" name="Google Shape;535;p29"/>
           <p:cNvSpPr/>
           <p:nvPr/>
         </p:nvSpPr>
@@ -24413,7 +24425,7 @@
       </p:sp>
       <p:sp>
         <p:nvSpPr>
-          <p:cNvPr id="534" name="Google Shape;534;p29"/>
+          <p:cNvPr id="536" name="Google Shape;536;p29"/>
           <p:cNvSpPr/>
           <p:nvPr/>
         </p:nvSpPr>
@@ -24478,7 +24490,7 @@
       </p:sp>
       <p:sp>
         <p:nvSpPr>
-          <p:cNvPr id="535" name="Google Shape;535;p29"/>
+          <p:cNvPr id="537" name="Google Shape;537;p29"/>
           <p:cNvSpPr/>
           <p:nvPr/>
         </p:nvSpPr>
@@ -24536,7 +24548,7 @@
       </p:sp>
       <p:sp>
         <p:nvSpPr>
-          <p:cNvPr id="536" name="Google Shape;536;p29"/>
+          <p:cNvPr id="538" name="Google Shape;538;p29"/>
           <p:cNvSpPr/>
           <p:nvPr/>
         </p:nvSpPr>
@@ -24601,7 +24613,7 @@
       </p:sp>
       <p:sp>
         <p:nvSpPr>
-          <p:cNvPr id="537" name="Google Shape;537;p29"/>
+          <p:cNvPr id="539" name="Google Shape;539;p29"/>
           <p:cNvSpPr/>
           <p:nvPr/>
         </p:nvSpPr>
@@ -24659,7 +24671,7 @@
       </p:sp>
       <p:pic>
         <p:nvPicPr>
-          <p:cNvPr descr="A light bulb with a bullet inside&#10;&#10;Description automatically generated" id="538" name="Google Shape;538;p29"/>
+          <p:cNvPr descr="A light bulb with a bullet inside&#10;&#10;Description automatically generated" id="540" name="Google Shape;540;p29"/>
           <p:cNvPicPr preferRelativeResize="0"/>
           <p:nvPr/>
         </p:nvPicPr>
@@ -24686,7 +24698,7 @@
       </p:pic>
       <p:sp>
         <p:nvSpPr>
-          <p:cNvPr id="539" name="Google Shape;539;p29"/>
+          <p:cNvPr id="541" name="Google Shape;541;p29"/>
           <p:cNvSpPr txBox="1"/>
           <p:nvPr/>
         </p:nvSpPr>
@@ -24757,7 +24769,7 @@
     </p:bg>
     <p:spTree>
       <p:nvGrpSpPr>
-        <p:cNvPr id="543" name="Shape 543"/>
+        <p:cNvPr id="545" name="Shape 545"/>
         <p:cNvGrpSpPr/>
         <p:nvPr/>
       </p:nvGrpSpPr>
@@ -24771,7 +24783,7 @@
       </p:grpSpPr>
       <p:sp>
         <p:nvSpPr>
-          <p:cNvPr id="544" name="Google Shape;544;p30"/>
+          <p:cNvPr id="546" name="Google Shape;546;p30"/>
           <p:cNvSpPr/>
           <p:nvPr/>
         </p:nvSpPr>
@@ -24837,7 +24849,7 @@
       </p:sp>
       <p:grpSp>
         <p:nvGrpSpPr>
-          <p:cNvPr id="545" name="Google Shape;545;p30"/>
+          <p:cNvPr id="547" name="Google Shape;547;p30"/>
           <p:cNvGrpSpPr/>
           <p:nvPr/>
         </p:nvGrpSpPr>
@@ -24851,7 +24863,7 @@
         </p:grpSpPr>
         <p:sp>
           <p:nvSpPr>
-            <p:cNvPr id="546" name="Google Shape;546;p30"/>
+            <p:cNvPr id="548" name="Google Shape;548;p30"/>
             <p:cNvSpPr/>
             <p:nvPr/>
           </p:nvSpPr>
@@ -24942,7 +24954,7 @@
         </p:sp>
         <p:sp>
           <p:nvSpPr>
-            <p:cNvPr id="547" name="Google Shape;547;p30"/>
+            <p:cNvPr id="549" name="Google Shape;549;p30"/>
             <p:cNvSpPr txBox="1"/>
             <p:nvPr/>
           </p:nvSpPr>
@@ -24995,7 +25007,7 @@
       </p:grpSp>
       <p:grpSp>
         <p:nvGrpSpPr>
-          <p:cNvPr id="548" name="Google Shape;548;p30"/>
+          <p:cNvPr id="550" name="Google Shape;550;p30"/>
           <p:cNvGrpSpPr/>
           <p:nvPr/>
         </p:nvGrpSpPr>
@@ -25009,7 +25021,7 @@
         </p:grpSpPr>
         <p:sp>
           <p:nvSpPr>
-            <p:cNvPr id="549" name="Google Shape;549;p30"/>
+            <p:cNvPr id="551" name="Google Shape;551;p30"/>
             <p:cNvSpPr/>
             <p:nvPr/>
           </p:nvSpPr>
@@ -25100,7 +25112,7 @@
         </p:sp>
         <p:sp>
           <p:nvSpPr>
-            <p:cNvPr id="550" name="Google Shape;550;p30"/>
+            <p:cNvPr id="552" name="Google Shape;552;p30"/>
             <p:cNvSpPr txBox="1"/>
             <p:nvPr/>
           </p:nvSpPr>
@@ -25153,7 +25165,7 @@
       </p:grpSp>
       <p:grpSp>
         <p:nvGrpSpPr>
-          <p:cNvPr id="551" name="Google Shape;551;p30"/>
+          <p:cNvPr id="553" name="Google Shape;553;p30"/>
           <p:cNvGrpSpPr/>
           <p:nvPr/>
         </p:nvGrpSpPr>
@@ -25167,7 +25179,7 @@
         </p:grpSpPr>
         <p:sp>
           <p:nvSpPr>
-            <p:cNvPr id="552" name="Google Shape;552;p30"/>
+            <p:cNvPr id="554" name="Google Shape;554;p30"/>
             <p:cNvSpPr/>
             <p:nvPr/>
           </p:nvSpPr>
@@ -25258,7 +25270,7 @@
         </p:sp>
         <p:sp>
           <p:nvSpPr>
-            <p:cNvPr id="553" name="Google Shape;553;p30"/>
+            <p:cNvPr id="555" name="Google Shape;555;p30"/>
             <p:cNvSpPr txBox="1"/>
             <p:nvPr/>
           </p:nvSpPr>
@@ -25311,7 +25323,7 @@
       </p:grpSp>
       <p:sp>
         <p:nvSpPr>
-          <p:cNvPr id="554" name="Google Shape;554;p30"/>
+          <p:cNvPr id="556" name="Google Shape;556;p30"/>
           <p:cNvSpPr txBox="1"/>
           <p:nvPr/>
         </p:nvSpPr>
@@ -25363,7 +25375,7 @@
       </p:sp>
       <p:sp>
         <p:nvSpPr>
-          <p:cNvPr id="555" name="Google Shape;555;p30"/>
+          <p:cNvPr id="557" name="Google Shape;557;p30"/>
           <p:cNvSpPr txBox="1"/>
           <p:nvPr/>
         </p:nvSpPr>
@@ -25416,7 +25428,7 @@
       </p:sp>
       <p:pic>
         <p:nvPicPr>
-          <p:cNvPr descr="A blue and white logo&#10;&#10;Description automatically generated" id="556" name="Google Shape;556;p30"/>
+          <p:cNvPr descr="A blue and white logo&#10;&#10;Description automatically generated" id="558" name="Google Shape;558;p30"/>
           <p:cNvPicPr preferRelativeResize="0"/>
           <p:nvPr/>
         </p:nvPicPr>
@@ -25443,7 +25455,7 @@
       </p:pic>
       <p:sp>
         <p:nvSpPr>
-          <p:cNvPr id="557" name="Google Shape;557;p30"/>
+          <p:cNvPr id="559" name="Google Shape;559;p30"/>
           <p:cNvSpPr txBox="1"/>
           <p:nvPr/>
         </p:nvSpPr>
@@ -25504,7 +25516,7 @@
       </p:sp>
       <p:sp>
         <p:nvSpPr>
-          <p:cNvPr id="558" name="Google Shape;558;p30"/>
+          <p:cNvPr id="560" name="Google Shape;560;p30"/>
           <p:cNvSpPr txBox="1"/>
           <p:nvPr/>
         </p:nvSpPr>
@@ -25557,14 +25569,14 @@
       </p:sp>
       <p:sp>
         <p:nvSpPr>
-          <p:cNvPr id="559" name="Google Shape;559;p30"/>
+          <p:cNvPr id="561" name="Google Shape;561;p30"/>
           <p:cNvSpPr txBox="1"/>
           <p:nvPr/>
         </p:nvSpPr>
         <p:spPr>
           <a:xfrm>
-            <a:off x="6241450" y="2699917"/>
-            <a:ext cx="5129101" cy="766255"/>
+            <a:off x="5696050" y="2758925"/>
+            <a:ext cx="6219900" cy="841500"/>
           </a:xfrm>
           <a:prstGeom prst="rect">
             <a:avLst/>
@@ -25610,7 +25622,7 @@
       </p:sp>
       <p:pic>
         <p:nvPicPr>
-          <p:cNvPr descr="A green check mark in a circle&#10;&#10;Description automatically generated" id="560" name="Google Shape;560;p30"/>
+          <p:cNvPr descr="A green check mark in a circle&#10;&#10;Description automatically generated" id="562" name="Google Shape;562;p30"/>
           <p:cNvPicPr preferRelativeResize="0"/>
           <p:nvPr/>
         </p:nvPicPr>
@@ -25637,7 +25649,7 @@
       </p:pic>
       <p:sp>
         <p:nvSpPr>
-          <p:cNvPr id="561" name="Google Shape;561;p30"/>
+          <p:cNvPr id="563" name="Google Shape;563;p30"/>
           <p:cNvSpPr/>
           <p:nvPr/>
         </p:nvSpPr>
@@ -25691,7 +25703,7 @@
       </p:sp>
       <p:sp>
         <p:nvSpPr>
-          <p:cNvPr id="562" name="Google Shape;562;p30"/>
+          <p:cNvPr id="564" name="Google Shape;564;p30"/>
           <p:cNvSpPr/>
           <p:nvPr/>
         </p:nvSpPr>
@@ -25745,7 +25757,7 @@
       </p:sp>
       <p:sp>
         <p:nvSpPr>
-          <p:cNvPr id="563" name="Google Shape;563;p30"/>
+          <p:cNvPr id="565" name="Google Shape;565;p30"/>
           <p:cNvSpPr/>
           <p:nvPr/>
         </p:nvSpPr>
@@ -25799,7 +25811,7 @@
       </p:sp>
       <p:sp>
         <p:nvSpPr>
-          <p:cNvPr id="564" name="Google Shape;564;p30"/>
+          <p:cNvPr id="566" name="Google Shape;566;p30"/>
           <p:cNvSpPr txBox="1"/>
           <p:nvPr/>
         </p:nvSpPr>
@@ -25849,7 +25861,7 @@
       </p:sp>
       <p:sp>
         <p:nvSpPr>
-          <p:cNvPr id="565" name="Google Shape;565;p30"/>
+          <p:cNvPr id="567" name="Google Shape;567;p30"/>
           <p:cNvSpPr txBox="1"/>
           <p:nvPr/>
         </p:nvSpPr>
@@ -25899,14 +25911,14 @@
       </p:sp>
       <p:sp>
         <p:nvSpPr>
-          <p:cNvPr id="566" name="Google Shape;566;p30"/>
+          <p:cNvPr id="568" name="Google Shape;568;p30"/>
           <p:cNvSpPr txBox="1"/>
           <p:nvPr/>
         </p:nvSpPr>
         <p:spPr>
           <a:xfrm>
-            <a:off x="12019368" y="5346616"/>
-            <a:ext cx="3165929" cy="461665"/>
+            <a:off x="12019376" y="5346625"/>
+            <a:ext cx="3402600" cy="461700"/>
           </a:xfrm>
           <a:prstGeom prst="rect">
             <a:avLst/>
@@ -25949,7 +25961,7 @@
       </p:sp>
       <p:sp>
         <p:nvSpPr>
-          <p:cNvPr id="567" name="Google Shape;567;p30"/>
+          <p:cNvPr id="569" name="Google Shape;569;p30"/>
           <p:cNvSpPr txBox="1"/>
           <p:nvPr/>
         </p:nvSpPr>
@@ -26020,7 +26032,7 @@
     </p:bg>
     <p:spTree>
       <p:nvGrpSpPr>
-        <p:cNvPr id="571" name="Shape 571"/>
+        <p:cNvPr id="573" name="Shape 573"/>
         <p:cNvGrpSpPr/>
         <p:nvPr/>
       </p:nvGrpSpPr>
@@ -26034,7 +26046,7 @@
       </p:grpSpPr>
       <p:sp>
         <p:nvSpPr>
-          <p:cNvPr id="572" name="Google Shape;572;p31"/>
+          <p:cNvPr id="574" name="Google Shape;574;p31"/>
           <p:cNvSpPr/>
           <p:nvPr/>
         </p:nvSpPr>
@@ -26100,7 +26112,7 @@
       </p:sp>
       <p:grpSp>
         <p:nvGrpSpPr>
-          <p:cNvPr id="573" name="Google Shape;573;p31"/>
+          <p:cNvPr id="575" name="Google Shape;575;p31"/>
           <p:cNvGrpSpPr/>
           <p:nvPr/>
         </p:nvGrpSpPr>
@@ -26114,7 +26126,7 @@
         </p:grpSpPr>
         <p:sp>
           <p:nvSpPr>
-            <p:cNvPr id="574" name="Google Shape;574;p31"/>
+            <p:cNvPr id="576" name="Google Shape;576;p31"/>
             <p:cNvSpPr/>
             <p:nvPr/>
           </p:nvSpPr>
@@ -26205,7 +26217,7 @@
         </p:sp>
         <p:sp>
           <p:nvSpPr>
-            <p:cNvPr id="575" name="Google Shape;575;p31"/>
+            <p:cNvPr id="577" name="Google Shape;577;p31"/>
             <p:cNvSpPr txBox="1"/>
             <p:nvPr/>
           </p:nvSpPr>
@@ -26258,7 +26270,7 @@
       </p:grpSp>
       <p:grpSp>
         <p:nvGrpSpPr>
-          <p:cNvPr id="576" name="Google Shape;576;p31"/>
+          <p:cNvPr id="578" name="Google Shape;578;p31"/>
           <p:cNvGrpSpPr/>
           <p:nvPr/>
         </p:nvGrpSpPr>
@@ -26272,7 +26284,7 @@
         </p:grpSpPr>
         <p:sp>
           <p:nvSpPr>
-            <p:cNvPr id="577" name="Google Shape;577;p31"/>
+            <p:cNvPr id="579" name="Google Shape;579;p31"/>
             <p:cNvSpPr/>
             <p:nvPr/>
           </p:nvSpPr>
@@ -26363,7 +26375,7 @@
         </p:sp>
         <p:sp>
           <p:nvSpPr>
-            <p:cNvPr id="578" name="Google Shape;578;p31"/>
+            <p:cNvPr id="580" name="Google Shape;580;p31"/>
             <p:cNvSpPr txBox="1"/>
             <p:nvPr/>
           </p:nvSpPr>
@@ -26416,7 +26428,7 @@
       </p:grpSp>
       <p:grpSp>
         <p:nvGrpSpPr>
-          <p:cNvPr id="579" name="Google Shape;579;p31"/>
+          <p:cNvPr id="581" name="Google Shape;581;p31"/>
           <p:cNvGrpSpPr/>
           <p:nvPr/>
         </p:nvGrpSpPr>
@@ -26430,7 +26442,7 @@
         </p:grpSpPr>
         <p:sp>
           <p:nvSpPr>
-            <p:cNvPr id="580" name="Google Shape;580;p31"/>
+            <p:cNvPr id="582" name="Google Shape;582;p31"/>
             <p:cNvSpPr/>
             <p:nvPr/>
           </p:nvSpPr>
@@ -26521,7 +26533,7 @@
         </p:sp>
         <p:sp>
           <p:nvSpPr>
-            <p:cNvPr id="581" name="Google Shape;581;p31"/>
+            <p:cNvPr id="583" name="Google Shape;583;p31"/>
             <p:cNvSpPr txBox="1"/>
             <p:nvPr/>
           </p:nvSpPr>
@@ -26574,7 +26586,7 @@
       </p:grpSp>
       <p:sp>
         <p:nvSpPr>
-          <p:cNvPr id="582" name="Google Shape;582;p31"/>
+          <p:cNvPr id="584" name="Google Shape;584;p31"/>
           <p:cNvSpPr txBox="1"/>
           <p:nvPr/>
         </p:nvSpPr>
@@ -26626,7 +26638,7 @@
       </p:sp>
       <p:sp>
         <p:nvSpPr>
-          <p:cNvPr id="583" name="Google Shape;583;p31"/>
+          <p:cNvPr id="585" name="Google Shape;585;p31"/>
           <p:cNvSpPr txBox="1"/>
           <p:nvPr/>
         </p:nvSpPr>
@@ -26679,7 +26691,7 @@
       </p:sp>
       <p:pic>
         <p:nvPicPr>
-          <p:cNvPr descr="A blue and white logo&#10;&#10;Description automatically generated" id="584" name="Google Shape;584;p31"/>
+          <p:cNvPr descr="A blue and white logo&#10;&#10;Description automatically generated" id="586" name="Google Shape;586;p31"/>
           <p:cNvPicPr preferRelativeResize="0"/>
           <p:nvPr/>
         </p:nvPicPr>
@@ -26706,7 +26718,7 @@
       </p:pic>
       <p:sp>
         <p:nvSpPr>
-          <p:cNvPr id="585" name="Google Shape;585;p31"/>
+          <p:cNvPr id="587" name="Google Shape;587;p31"/>
           <p:cNvSpPr txBox="1"/>
           <p:nvPr/>
         </p:nvSpPr>
@@ -26767,7 +26779,7 @@
       </p:sp>
       <p:pic>
         <p:nvPicPr>
-          <p:cNvPr id="586" name="Google Shape;586;p31"/>
+          <p:cNvPr id="588" name="Google Shape;588;p31"/>
           <p:cNvPicPr preferRelativeResize="0"/>
           <p:nvPr/>
         </p:nvPicPr>
@@ -26794,7 +26806,7 @@
       </p:pic>
       <p:pic>
         <p:nvPicPr>
-          <p:cNvPr id="587" name="Google Shape;587;p31"/>
+          <p:cNvPr id="589" name="Google Shape;589;p31"/>
           <p:cNvPicPr preferRelativeResize="0"/>
           <p:nvPr/>
         </p:nvPicPr>
@@ -26821,7 +26833,7 @@
       </p:pic>
       <p:sp>
         <p:nvSpPr>
-          <p:cNvPr id="588" name="Google Shape;588;p31"/>
+          <p:cNvPr id="590" name="Google Shape;590;p31"/>
           <p:cNvSpPr txBox="1"/>
           <p:nvPr/>
         </p:nvSpPr>
@@ -26874,14 +26886,14 @@
       </p:sp>
       <p:sp>
         <p:nvSpPr>
-          <p:cNvPr id="589" name="Google Shape;589;p31"/>
+          <p:cNvPr id="591" name="Google Shape;591;p31"/>
           <p:cNvSpPr txBox="1"/>
           <p:nvPr/>
         </p:nvSpPr>
         <p:spPr>
           <a:xfrm>
-            <a:off x="6241450" y="2699917"/>
-            <a:ext cx="5129101" cy="766255"/>
+            <a:off x="5621650" y="2694538"/>
+            <a:ext cx="6368700" cy="841500"/>
           </a:xfrm>
           <a:prstGeom prst="rect">
             <a:avLst/>
@@ -26927,7 +26939,7 @@
       </p:sp>
       <p:sp>
         <p:nvSpPr>
-          <p:cNvPr id="590" name="Google Shape;590;p31"/>
+          <p:cNvPr id="592" name="Google Shape;592;p31"/>
           <p:cNvSpPr txBox="1"/>
           <p:nvPr/>
         </p:nvSpPr>
@@ -29313,7 +29325,7 @@
     </p:bg>
     <p:spTree>
       <p:nvGrpSpPr>
-        <p:cNvPr id="594" name="Shape 594"/>
+        <p:cNvPr id="596" name="Shape 596"/>
         <p:cNvGrpSpPr/>
         <p:nvPr/>
       </p:nvGrpSpPr>
@@ -29327,7 +29339,7 @@
       </p:grpSpPr>
       <p:sp>
         <p:nvSpPr>
-          <p:cNvPr id="595" name="Google Shape;595;p32"/>
+          <p:cNvPr id="597" name="Google Shape;597;p32"/>
           <p:cNvSpPr/>
           <p:nvPr/>
         </p:nvSpPr>
@@ -29393,7 +29405,7 @@
       </p:sp>
       <p:grpSp>
         <p:nvGrpSpPr>
-          <p:cNvPr id="596" name="Google Shape;596;p32"/>
+          <p:cNvPr id="598" name="Google Shape;598;p32"/>
           <p:cNvGrpSpPr/>
           <p:nvPr/>
         </p:nvGrpSpPr>
@@ -29407,7 +29419,7 @@
         </p:grpSpPr>
         <p:sp>
           <p:nvSpPr>
-            <p:cNvPr id="597" name="Google Shape;597;p32"/>
+            <p:cNvPr id="599" name="Google Shape;599;p32"/>
             <p:cNvSpPr/>
             <p:nvPr/>
           </p:nvSpPr>
@@ -29498,7 +29510,7 @@
         </p:sp>
         <p:sp>
           <p:nvSpPr>
-            <p:cNvPr id="598" name="Google Shape;598;p32"/>
+            <p:cNvPr id="600" name="Google Shape;600;p32"/>
             <p:cNvSpPr txBox="1"/>
             <p:nvPr/>
           </p:nvSpPr>
@@ -29551,7 +29563,7 @@
       </p:grpSp>
       <p:grpSp>
         <p:nvGrpSpPr>
-          <p:cNvPr id="599" name="Google Shape;599;p32"/>
+          <p:cNvPr id="601" name="Google Shape;601;p32"/>
           <p:cNvGrpSpPr/>
           <p:nvPr/>
         </p:nvGrpSpPr>
@@ -29565,7 +29577,7 @@
         </p:grpSpPr>
         <p:sp>
           <p:nvSpPr>
-            <p:cNvPr id="600" name="Google Shape;600;p32"/>
+            <p:cNvPr id="602" name="Google Shape;602;p32"/>
             <p:cNvSpPr/>
             <p:nvPr/>
           </p:nvSpPr>
@@ -29656,7 +29668,7 @@
         </p:sp>
         <p:sp>
           <p:nvSpPr>
-            <p:cNvPr id="601" name="Google Shape;601;p32"/>
+            <p:cNvPr id="603" name="Google Shape;603;p32"/>
             <p:cNvSpPr txBox="1"/>
             <p:nvPr/>
           </p:nvSpPr>
@@ -29709,7 +29721,7 @@
       </p:grpSp>
       <p:grpSp>
         <p:nvGrpSpPr>
-          <p:cNvPr id="602" name="Google Shape;602;p32"/>
+          <p:cNvPr id="604" name="Google Shape;604;p32"/>
           <p:cNvGrpSpPr/>
           <p:nvPr/>
         </p:nvGrpSpPr>
@@ -29723,7 +29735,7 @@
         </p:grpSpPr>
         <p:sp>
           <p:nvSpPr>
-            <p:cNvPr id="603" name="Google Shape;603;p32"/>
+            <p:cNvPr id="605" name="Google Shape;605;p32"/>
             <p:cNvSpPr/>
             <p:nvPr/>
           </p:nvSpPr>
@@ -29814,7 +29826,7 @@
         </p:sp>
         <p:sp>
           <p:nvSpPr>
-            <p:cNvPr id="604" name="Google Shape;604;p32"/>
+            <p:cNvPr id="606" name="Google Shape;606;p32"/>
             <p:cNvSpPr txBox="1"/>
             <p:nvPr/>
           </p:nvSpPr>
@@ -29867,7 +29879,7 @@
       </p:grpSp>
       <p:sp>
         <p:nvSpPr>
-          <p:cNvPr id="605" name="Google Shape;605;p32"/>
+          <p:cNvPr id="607" name="Google Shape;607;p32"/>
           <p:cNvSpPr txBox="1"/>
           <p:nvPr/>
         </p:nvSpPr>
@@ -29920,7 +29932,7 @@
       </p:sp>
       <p:sp>
         <p:nvSpPr>
-          <p:cNvPr id="606" name="Google Shape;606;p32"/>
+          <p:cNvPr id="608" name="Google Shape;608;p32"/>
           <p:cNvSpPr txBox="1"/>
           <p:nvPr/>
         </p:nvSpPr>
@@ -29973,7 +29985,7 @@
       </p:sp>
       <p:sp>
         <p:nvSpPr>
-          <p:cNvPr id="607" name="Google Shape;607;p32"/>
+          <p:cNvPr id="609" name="Google Shape;609;p32"/>
           <p:cNvSpPr txBox="1"/>
           <p:nvPr/>
         </p:nvSpPr>
@@ -30026,7 +30038,7 @@
       </p:sp>
       <p:pic>
         <p:nvPicPr>
-          <p:cNvPr descr="A blue and white logo&#10;&#10;Description automatically generated" id="608" name="Google Shape;608;p32"/>
+          <p:cNvPr descr="A blue and white logo&#10;&#10;Description automatically generated" id="610" name="Google Shape;610;p32"/>
           <p:cNvPicPr preferRelativeResize="0"/>
           <p:nvPr/>
         </p:nvPicPr>
@@ -30053,7 +30065,7 @@
       </p:pic>
       <p:sp>
         <p:nvSpPr>
-          <p:cNvPr id="609" name="Google Shape;609;p32"/>
+          <p:cNvPr id="611" name="Google Shape;611;p32"/>
           <p:cNvSpPr txBox="1"/>
           <p:nvPr/>
         </p:nvSpPr>
@@ -30114,7 +30126,7 @@
       </p:sp>
       <p:sp>
         <p:nvSpPr>
-          <p:cNvPr id="610" name="Google Shape;610;p32"/>
+          <p:cNvPr id="612" name="Google Shape;612;p32"/>
           <p:cNvSpPr txBox="1"/>
           <p:nvPr/>
         </p:nvSpPr>
@@ -30172,7 +30184,7 @@
       </p:sp>
       <p:sp>
         <p:nvSpPr>
-          <p:cNvPr id="611" name="Google Shape;611;p32"/>
+          <p:cNvPr id="613" name="Google Shape;613;p32"/>
           <p:cNvSpPr txBox="1"/>
           <p:nvPr/>
         </p:nvSpPr>
@@ -30222,7 +30234,7 @@
       </p:sp>
       <p:sp>
         <p:nvSpPr>
-          <p:cNvPr id="612" name="Google Shape;612;p32"/>
+          <p:cNvPr id="614" name="Google Shape;614;p32"/>
           <p:cNvSpPr/>
           <p:nvPr/>
         </p:nvSpPr>
@@ -30278,7 +30290,7 @@
       </p:sp>
       <p:sp>
         <p:nvSpPr>
-          <p:cNvPr id="613" name="Google Shape;613;p32"/>
+          <p:cNvPr id="615" name="Google Shape;615;p32"/>
           <p:cNvSpPr/>
           <p:nvPr/>
         </p:nvSpPr>
@@ -30334,7 +30346,7 @@
       </p:sp>
       <p:sp>
         <p:nvSpPr>
-          <p:cNvPr id="614" name="Google Shape;614;p32"/>
+          <p:cNvPr id="616" name="Google Shape;616;p32"/>
           <p:cNvSpPr txBox="1"/>
           <p:nvPr/>
         </p:nvSpPr>
@@ -30408,7 +30420,7 @@
       </p:sp>
       <p:sp>
         <p:nvSpPr>
-          <p:cNvPr id="615" name="Google Shape;615;p32"/>
+          <p:cNvPr id="617" name="Google Shape;617;p32"/>
           <p:cNvSpPr txBox="1"/>
           <p:nvPr/>
         </p:nvSpPr>
@@ -30482,7 +30494,7 @@
       </p:sp>
       <p:sp>
         <p:nvSpPr>
-          <p:cNvPr id="616" name="Google Shape;616;p32"/>
+          <p:cNvPr id="618" name="Google Shape;618;p32"/>
           <p:cNvSpPr txBox="1"/>
           <p:nvPr/>
         </p:nvSpPr>
@@ -30532,7 +30544,7 @@
       </p:sp>
       <p:sp>
         <p:nvSpPr>
-          <p:cNvPr id="617" name="Google Shape;617;p32"/>
+          <p:cNvPr id="619" name="Google Shape;619;p32"/>
           <p:cNvSpPr/>
           <p:nvPr/>
         </p:nvSpPr>
@@ -30586,7 +30598,7 @@
       </p:sp>
       <p:sp>
         <p:nvSpPr>
-          <p:cNvPr id="618" name="Google Shape;618;p32"/>
+          <p:cNvPr id="620" name="Google Shape;620;p32"/>
           <p:cNvSpPr txBox="1"/>
           <p:nvPr/>
         </p:nvSpPr>
@@ -30660,7 +30672,7 @@
       </p:sp>
       <p:sp>
         <p:nvSpPr>
-          <p:cNvPr id="619" name="Google Shape;619;p32"/>
+          <p:cNvPr id="621" name="Google Shape;621;p32"/>
           <p:cNvSpPr txBox="1"/>
           <p:nvPr/>
         </p:nvSpPr>
@@ -30710,7 +30722,7 @@
       </p:sp>
       <p:sp>
         <p:nvSpPr>
-          <p:cNvPr id="620" name="Google Shape;620;p32"/>
+          <p:cNvPr id="622" name="Google Shape;622;p32"/>
           <p:cNvSpPr/>
           <p:nvPr/>
         </p:nvSpPr>
@@ -30764,7 +30776,7 @@
       </p:sp>
       <p:sp>
         <p:nvSpPr>
-          <p:cNvPr id="621" name="Google Shape;621;p32"/>
+          <p:cNvPr id="623" name="Google Shape;623;p32"/>
           <p:cNvSpPr txBox="1"/>
           <p:nvPr/>
         </p:nvSpPr>
@@ -30838,7 +30850,7 @@
       </p:sp>
       <p:sp>
         <p:nvSpPr>
-          <p:cNvPr id="622" name="Google Shape;622;p32"/>
+          <p:cNvPr id="624" name="Google Shape;624;p32"/>
           <p:cNvSpPr txBox="1"/>
           <p:nvPr/>
         </p:nvSpPr>
@@ -30928,76 +30940,6 @@
                                           </p:stCondLst>
                                         </p:cTn>
                                         <p:tgtEl>
-                                          <p:spTgt spid="611"/>
-                                        </p:tgtEl>
-                                        <p:attrNameLst>
-                                          <p:attrName>style.visibility</p:attrName>
-                                        </p:attrNameLst>
-                                      </p:cBhvr>
-                                      <p:to>
-                                        <p:strVal val="visible"/>
-                                      </p:to>
-                                    </p:set>
-                                    <p:animEffect filter="fade" transition="in">
-                                      <p:cBhvr>
-                                        <p:cTn dur="500"/>
-                                        <p:tgtEl>
-                                          <p:spTgt spid="611"/>
-                                        </p:tgtEl>
-                                      </p:cBhvr>
-                                    </p:animEffect>
-                                  </p:childTnLst>
-                                </p:cTn>
-                              </p:par>
-                              <p:par>
-                                <p:cTn fill="hold" nodeType="withEffect" presetClass="entr" presetID="10" presetSubtype="0">
-                                  <p:stCondLst>
-                                    <p:cond delay="500"/>
-                                  </p:stCondLst>
-                                  <p:childTnLst>
-                                    <p:set>
-                                      <p:cBhvr>
-                                        <p:cTn dur="1" fill="hold">
-                                          <p:stCondLst>
-                                            <p:cond delay="0"/>
-                                          </p:stCondLst>
-                                        </p:cTn>
-                                        <p:tgtEl>
-                                          <p:spTgt spid="612"/>
-                                        </p:tgtEl>
-                                        <p:attrNameLst>
-                                          <p:attrName>style.visibility</p:attrName>
-                                        </p:attrNameLst>
-                                      </p:cBhvr>
-                                      <p:to>
-                                        <p:strVal val="visible"/>
-                                      </p:to>
-                                    </p:set>
-                                    <p:animEffect filter="fade" transition="in">
-                                      <p:cBhvr>
-                                        <p:cTn dur="500"/>
-                                        <p:tgtEl>
-                                          <p:spTgt spid="612"/>
-                                        </p:tgtEl>
-                                      </p:cBhvr>
-                                    </p:animEffect>
-                                  </p:childTnLst>
-                                </p:cTn>
-                              </p:par>
-                              <p:par>
-                                <p:cTn fill="hold" nodeType="withEffect" presetClass="entr" presetID="10" presetSubtype="0">
-                                  <p:stCondLst>
-                                    <p:cond delay="500"/>
-                                  </p:stCondLst>
-                                  <p:childTnLst>
-                                    <p:set>
-                                      <p:cBhvr>
-                                        <p:cTn dur="1" fill="hold">
-                                          <p:stCondLst>
-                                            <p:cond delay="0"/>
-                                          </p:stCondLst>
-                                        </p:cTn>
-                                        <p:tgtEl>
                                           <p:spTgt spid="613"/>
                                         </p:tgtEl>
                                         <p:attrNameLst>
@@ -31022,7 +30964,7 @@
                               <p:par>
                                 <p:cTn fill="hold" nodeType="withEffect" presetClass="entr" presetID="10" presetSubtype="0">
                                   <p:stCondLst>
-                                    <p:cond delay="1000"/>
+                                    <p:cond delay="500"/>
                                   </p:stCondLst>
                                   <p:childTnLst>
                                     <p:set>
@@ -31057,7 +30999,7 @@
                               <p:par>
                                 <p:cTn fill="hold" nodeType="withEffect" presetClass="entr" presetID="10" presetSubtype="0">
                                   <p:stCondLst>
-                                    <p:cond delay="1000"/>
+                                    <p:cond delay="500"/>
                                   </p:stCondLst>
                                   <p:childTnLst>
                                     <p:set>
@@ -31083,6 +31025,76 @@
                                         <p:cTn dur="500"/>
                                         <p:tgtEl>
                                           <p:spTgt spid="615"/>
+                                        </p:tgtEl>
+                                      </p:cBhvr>
+                                    </p:animEffect>
+                                  </p:childTnLst>
+                                </p:cTn>
+                              </p:par>
+                              <p:par>
+                                <p:cTn fill="hold" nodeType="withEffect" presetClass="entr" presetID="10" presetSubtype="0">
+                                  <p:stCondLst>
+                                    <p:cond delay="1000"/>
+                                  </p:stCondLst>
+                                  <p:childTnLst>
+                                    <p:set>
+                                      <p:cBhvr>
+                                        <p:cTn dur="1" fill="hold">
+                                          <p:stCondLst>
+                                            <p:cond delay="0"/>
+                                          </p:stCondLst>
+                                        </p:cTn>
+                                        <p:tgtEl>
+                                          <p:spTgt spid="616"/>
+                                        </p:tgtEl>
+                                        <p:attrNameLst>
+                                          <p:attrName>style.visibility</p:attrName>
+                                        </p:attrNameLst>
+                                      </p:cBhvr>
+                                      <p:to>
+                                        <p:strVal val="visible"/>
+                                      </p:to>
+                                    </p:set>
+                                    <p:animEffect filter="fade" transition="in">
+                                      <p:cBhvr>
+                                        <p:cTn dur="500"/>
+                                        <p:tgtEl>
+                                          <p:spTgt spid="616"/>
+                                        </p:tgtEl>
+                                      </p:cBhvr>
+                                    </p:animEffect>
+                                  </p:childTnLst>
+                                </p:cTn>
+                              </p:par>
+                              <p:par>
+                                <p:cTn fill="hold" nodeType="withEffect" presetClass="entr" presetID="10" presetSubtype="0">
+                                  <p:stCondLst>
+                                    <p:cond delay="1000"/>
+                                  </p:stCondLst>
+                                  <p:childTnLst>
+                                    <p:set>
+                                      <p:cBhvr>
+                                        <p:cTn dur="1" fill="hold">
+                                          <p:stCondLst>
+                                            <p:cond delay="0"/>
+                                          </p:stCondLst>
+                                        </p:cTn>
+                                        <p:tgtEl>
+                                          <p:spTgt spid="617"/>
+                                        </p:tgtEl>
+                                        <p:attrNameLst>
+                                          <p:attrName>style.visibility</p:attrName>
+                                        </p:attrNameLst>
+                                      </p:cBhvr>
+                                      <p:to>
+                                        <p:strVal val="visible"/>
+                                      </p:to>
+                                    </p:set>
+                                    <p:animEffect filter="fade" transition="in">
+                                      <p:cBhvr>
+                                        <p:cTn dur="500"/>
+                                        <p:tgtEl>
+                                          <p:spTgt spid="617"/>
                                         </p:tgtEl>
                                       </p:cBhvr>
                                     </p:animEffect>
@@ -31121,7 +31133,7 @@
                                           </p:stCondLst>
                                         </p:cTn>
                                         <p:tgtEl>
-                                          <p:spTgt spid="619"/>
+                                          <p:spTgt spid="621"/>
                                         </p:tgtEl>
                                         <p:attrNameLst>
                                           <p:attrName>style.visibility</p:attrName>
@@ -31135,7 +31147,7 @@
                                       <p:cBhvr>
                                         <p:cTn dur="500"/>
                                         <p:tgtEl>
-                                          <p:spTgt spid="619"/>
+                                          <p:spTgt spid="621"/>
                                         </p:tgtEl>
                                       </p:cBhvr>
                                     </p:animEffect>
@@ -31156,7 +31168,7 @@
                                           </p:stCondLst>
                                         </p:cTn>
                                         <p:tgtEl>
-                                          <p:spTgt spid="620"/>
+                                          <p:spTgt spid="622"/>
                                         </p:tgtEl>
                                         <p:attrNameLst>
                                           <p:attrName>style.visibility</p:attrName>
@@ -31170,7 +31182,7 @@
                                       <p:cBhvr>
                                         <p:cTn dur="500"/>
                                         <p:tgtEl>
-                                          <p:spTgt spid="620"/>
+                                          <p:spTgt spid="622"/>
                                         </p:tgtEl>
                                       </p:cBhvr>
                                     </p:animEffect>
@@ -31191,7 +31203,7 @@
                                           </p:stCondLst>
                                         </p:cTn>
                                         <p:tgtEl>
-                                          <p:spTgt spid="621"/>
+                                          <p:spTgt spid="623"/>
                                         </p:tgtEl>
                                         <p:attrNameLst>
                                           <p:attrName>style.visibility</p:attrName>
@@ -31205,7 +31217,7 @@
                                       <p:cBhvr>
                                         <p:cTn dur="500"/>
                                         <p:tgtEl>
-                                          <p:spTgt spid="621"/>
+                                          <p:spTgt spid="623"/>
                                         </p:tgtEl>
                                       </p:cBhvr>
                                     </p:animEffect>
@@ -31244,7 +31256,7 @@
                                           </p:stCondLst>
                                         </p:cTn>
                                         <p:tgtEl>
-                                          <p:spTgt spid="616"/>
+                                          <p:spTgt spid="618"/>
                                         </p:tgtEl>
                                         <p:attrNameLst>
                                           <p:attrName>style.visibility</p:attrName>
@@ -31258,7 +31270,7 @@
                                       <p:cBhvr>
                                         <p:cTn dur="500"/>
                                         <p:tgtEl>
-                                          <p:spTgt spid="616"/>
+                                          <p:spTgt spid="618"/>
                                         </p:tgtEl>
                                       </p:cBhvr>
                                     </p:animEffect>
@@ -31279,7 +31291,7 @@
                                           </p:stCondLst>
                                         </p:cTn>
                                         <p:tgtEl>
-                                          <p:spTgt spid="617"/>
+                                          <p:spTgt spid="619"/>
                                         </p:tgtEl>
                                         <p:attrNameLst>
                                           <p:attrName>style.visibility</p:attrName>
@@ -31293,7 +31305,7 @@
                                       <p:cBhvr>
                                         <p:cTn dur="500"/>
                                         <p:tgtEl>
-                                          <p:spTgt spid="617"/>
+                                          <p:spTgt spid="619"/>
                                         </p:tgtEl>
                                       </p:cBhvr>
                                     </p:animEffect>
@@ -31314,7 +31326,7 @@
                                           </p:stCondLst>
                                         </p:cTn>
                                         <p:tgtEl>
-                                          <p:spTgt spid="618"/>
+                                          <p:spTgt spid="620"/>
                                         </p:tgtEl>
                                         <p:attrNameLst>
                                           <p:attrName>style.visibility</p:attrName>
@@ -31328,7 +31340,7 @@
                                       <p:cBhvr>
                                         <p:cTn dur="500"/>
                                         <p:tgtEl>
-                                          <p:spTgt spid="618"/>
+                                          <p:spTgt spid="620"/>
                                         </p:tgtEl>
                                       </p:cBhvr>
                                     </p:animEffect>
@@ -31378,7 +31390,7 @@
     </p:bg>
     <p:spTree>
       <p:nvGrpSpPr>
-        <p:cNvPr id="626" name="Shape 626"/>
+        <p:cNvPr id="628" name="Shape 628"/>
         <p:cNvGrpSpPr/>
         <p:nvPr/>
       </p:nvGrpSpPr>
@@ -31392,7 +31404,7 @@
       </p:grpSpPr>
       <p:grpSp>
         <p:nvGrpSpPr>
-          <p:cNvPr id="627" name="Google Shape;627;p33"/>
+          <p:cNvPr id="629" name="Google Shape;629;p33"/>
           <p:cNvGrpSpPr/>
           <p:nvPr/>
         </p:nvGrpSpPr>
@@ -31406,7 +31418,7 @@
         </p:grpSpPr>
         <p:sp>
           <p:nvSpPr>
-            <p:cNvPr id="628" name="Google Shape;628;p33"/>
+            <p:cNvPr id="630" name="Google Shape;630;p33"/>
             <p:cNvSpPr/>
             <p:nvPr/>
           </p:nvSpPr>
@@ -31497,7 +31509,7 @@
         </p:sp>
         <p:sp>
           <p:nvSpPr>
-            <p:cNvPr id="629" name="Google Shape;629;p33"/>
+            <p:cNvPr id="631" name="Google Shape;631;p33"/>
             <p:cNvSpPr txBox="1"/>
             <p:nvPr/>
           </p:nvSpPr>
@@ -31550,7 +31562,7 @@
       </p:grpSp>
       <p:sp>
         <p:nvSpPr>
-          <p:cNvPr id="630" name="Google Shape;630;p33"/>
+          <p:cNvPr id="632" name="Google Shape;632;p33"/>
           <p:cNvSpPr txBox="1"/>
           <p:nvPr/>
         </p:nvSpPr>
@@ -31603,7 +31615,7 @@
       </p:sp>
       <p:grpSp>
         <p:nvGrpSpPr>
-          <p:cNvPr id="631" name="Google Shape;631;p33"/>
+          <p:cNvPr id="633" name="Google Shape;633;p33"/>
           <p:cNvGrpSpPr/>
           <p:nvPr/>
         </p:nvGrpSpPr>
@@ -31617,7 +31629,7 @@
         </p:grpSpPr>
         <p:sp>
           <p:nvSpPr>
-            <p:cNvPr id="632" name="Google Shape;632;p33"/>
+            <p:cNvPr id="634" name="Google Shape;634;p33"/>
             <p:cNvSpPr/>
             <p:nvPr/>
           </p:nvSpPr>
@@ -31708,7 +31720,7 @@
         </p:sp>
         <p:sp>
           <p:nvSpPr>
-            <p:cNvPr id="633" name="Google Shape;633;p33"/>
+            <p:cNvPr id="635" name="Google Shape;635;p33"/>
             <p:cNvSpPr txBox="1"/>
             <p:nvPr/>
           </p:nvSpPr>
@@ -31761,7 +31773,7 @@
       </p:grpSp>
       <p:sp>
         <p:nvSpPr>
-          <p:cNvPr id="634" name="Google Shape;634;p33"/>
+          <p:cNvPr id="636" name="Google Shape;636;p33"/>
           <p:cNvSpPr txBox="1"/>
           <p:nvPr/>
         </p:nvSpPr>
@@ -31814,7 +31826,7 @@
       </p:sp>
       <p:sp>
         <p:nvSpPr>
-          <p:cNvPr id="635" name="Google Shape;635;p33"/>
+          <p:cNvPr id="637" name="Google Shape;637;p33"/>
           <p:cNvSpPr txBox="1"/>
           <p:nvPr/>
         </p:nvSpPr>
@@ -31867,7 +31879,7 @@
       </p:sp>
       <p:pic>
         <p:nvPicPr>
-          <p:cNvPr descr="A blue and white logo&#10;&#10;Description automatically generated" id="636" name="Google Shape;636;p33"/>
+          <p:cNvPr descr="A blue and white logo&#10;&#10;Description automatically generated" id="638" name="Google Shape;638;p33"/>
           <p:cNvPicPr preferRelativeResize="0"/>
           <p:nvPr/>
         </p:nvPicPr>
@@ -31894,7 +31906,7 @@
       </p:pic>
       <p:sp>
         <p:nvSpPr>
-          <p:cNvPr id="637" name="Google Shape;637;p33"/>
+          <p:cNvPr id="639" name="Google Shape;639;p33"/>
           <p:cNvSpPr txBox="1"/>
           <p:nvPr/>
         </p:nvSpPr>
@@ -31955,7 +31967,7 @@
       </p:sp>
       <p:sp>
         <p:nvSpPr>
-          <p:cNvPr id="638" name="Google Shape;638;p33"/>
+          <p:cNvPr id="640" name="Google Shape;640;p33"/>
           <p:cNvSpPr txBox="1"/>
           <p:nvPr/>
         </p:nvSpPr>
@@ -32026,7 +32038,7 @@
     </p:bg>
     <p:spTree>
       <p:nvGrpSpPr>
-        <p:cNvPr id="642" name="Shape 642"/>
+        <p:cNvPr id="644" name="Shape 644"/>
         <p:cNvGrpSpPr/>
         <p:nvPr/>
       </p:nvGrpSpPr>
@@ -32040,7 +32052,7 @@
       </p:grpSpPr>
       <p:grpSp>
         <p:nvGrpSpPr>
-          <p:cNvPr id="643" name="Google Shape;643;p34"/>
+          <p:cNvPr id="645" name="Google Shape;645;p34"/>
           <p:cNvGrpSpPr/>
           <p:nvPr/>
         </p:nvGrpSpPr>
@@ -32054,7 +32066,7 @@
         </p:grpSpPr>
         <p:sp>
           <p:nvSpPr>
-            <p:cNvPr id="644" name="Google Shape;644;p34"/>
+            <p:cNvPr id="646" name="Google Shape;646;p34"/>
             <p:cNvSpPr/>
             <p:nvPr/>
           </p:nvSpPr>
@@ -32145,7 +32157,7 @@
         </p:sp>
         <p:sp>
           <p:nvSpPr>
-            <p:cNvPr id="645" name="Google Shape;645;p34"/>
+            <p:cNvPr id="647" name="Google Shape;647;p34"/>
             <p:cNvSpPr txBox="1"/>
             <p:nvPr/>
           </p:nvSpPr>
@@ -32198,7 +32210,7 @@
       </p:grpSp>
       <p:sp>
         <p:nvSpPr>
-          <p:cNvPr id="646" name="Google Shape;646;p34"/>
+          <p:cNvPr id="648" name="Google Shape;648;p34"/>
           <p:cNvSpPr txBox="1"/>
           <p:nvPr/>
         </p:nvSpPr>
@@ -32251,7 +32263,7 @@
       </p:sp>
       <p:sp>
         <p:nvSpPr>
-          <p:cNvPr id="647" name="Google Shape;647;p34"/>
+          <p:cNvPr id="649" name="Google Shape;649;p34"/>
           <p:cNvSpPr txBox="1"/>
           <p:nvPr/>
         </p:nvSpPr>
@@ -32304,7 +32316,7 @@
       </p:sp>
       <p:grpSp>
         <p:nvGrpSpPr>
-          <p:cNvPr id="648" name="Google Shape;648;p34"/>
+          <p:cNvPr id="650" name="Google Shape;650;p34"/>
           <p:cNvGrpSpPr/>
           <p:nvPr/>
         </p:nvGrpSpPr>
@@ -32318,7 +32330,7 @@
         </p:grpSpPr>
         <p:sp>
           <p:nvSpPr>
-            <p:cNvPr id="649" name="Google Shape;649;p34"/>
+            <p:cNvPr id="651" name="Google Shape;651;p34"/>
             <p:cNvSpPr/>
             <p:nvPr/>
           </p:nvSpPr>
@@ -32409,7 +32421,7 @@
         </p:sp>
         <p:sp>
           <p:nvSpPr>
-            <p:cNvPr id="650" name="Google Shape;650;p34"/>
+            <p:cNvPr id="652" name="Google Shape;652;p34"/>
             <p:cNvSpPr txBox="1"/>
             <p:nvPr/>
           </p:nvSpPr>
@@ -32462,7 +32474,7 @@
       </p:grpSp>
       <p:grpSp>
         <p:nvGrpSpPr>
-          <p:cNvPr id="651" name="Google Shape;651;p34"/>
+          <p:cNvPr id="653" name="Google Shape;653;p34"/>
           <p:cNvGrpSpPr/>
           <p:nvPr/>
         </p:nvGrpSpPr>
@@ -32476,7 +32488,7 @@
         </p:grpSpPr>
         <p:sp>
           <p:nvSpPr>
-            <p:cNvPr id="652" name="Google Shape;652;p34"/>
+            <p:cNvPr id="654" name="Google Shape;654;p34"/>
             <p:cNvSpPr/>
             <p:nvPr/>
           </p:nvSpPr>
@@ -32561,7 +32573,7 @@
         </p:sp>
         <p:sp>
           <p:nvSpPr>
-            <p:cNvPr id="653" name="Google Shape;653;p34"/>
+            <p:cNvPr id="655" name="Google Shape;655;p34"/>
             <p:cNvSpPr txBox="1"/>
             <p:nvPr/>
           </p:nvSpPr>
@@ -32614,7 +32626,7 @@
       </p:grpSp>
       <p:sp>
         <p:nvSpPr>
-          <p:cNvPr id="654" name="Google Shape;654;p34"/>
+          <p:cNvPr id="656" name="Google Shape;656;p34"/>
           <p:cNvSpPr txBox="1"/>
           <p:nvPr/>
         </p:nvSpPr>
@@ -32667,7 +32679,7 @@
       </p:sp>
       <p:sp>
         <p:nvSpPr>
-          <p:cNvPr id="655" name="Google Shape;655;p34"/>
+          <p:cNvPr id="657" name="Google Shape;657;p34"/>
           <p:cNvSpPr txBox="1"/>
           <p:nvPr/>
         </p:nvSpPr>
@@ -32720,7 +32732,7 @@
       </p:sp>
       <p:pic>
         <p:nvPicPr>
-          <p:cNvPr descr="A blue and white logo&#10;&#10;Description automatically generated" id="656" name="Google Shape;656;p34"/>
+          <p:cNvPr descr="A blue and white logo&#10;&#10;Description automatically generated" id="658" name="Google Shape;658;p34"/>
           <p:cNvPicPr preferRelativeResize="0"/>
           <p:nvPr/>
         </p:nvPicPr>
@@ -32747,7 +32759,7 @@
       </p:pic>
       <p:sp>
         <p:nvSpPr>
-          <p:cNvPr id="657" name="Google Shape;657;p34"/>
+          <p:cNvPr id="659" name="Google Shape;659;p34"/>
           <p:cNvSpPr txBox="1"/>
           <p:nvPr/>
         </p:nvSpPr>
@@ -32808,7 +32820,7 @@
       </p:sp>
       <p:sp>
         <p:nvSpPr>
-          <p:cNvPr id="658" name="Google Shape;658;p34"/>
+          <p:cNvPr id="660" name="Google Shape;660;p34"/>
           <p:cNvSpPr txBox="1"/>
           <p:nvPr/>
         </p:nvSpPr>
@@ -37044,16 +37056,24 @@
           </a:p>
         </p:txBody>
       </p:sp>
-      <p:sp>
-        <p:nvSpPr>
-          <p:cNvPr id="253" name="Google Shape;253;p18"/>
-          <p:cNvSpPr txBox="1"/>
+      <p:pic>
+        <p:nvPicPr>
+          <p:cNvPr id="253" name="Google Shape;253;p18" title="WhatsApp Image 2025-12-12 at 15.29.30_18bbec20.jpg"/>
+          <p:cNvPicPr preferRelativeResize="0"/>
           <p:nvPr/>
-        </p:nvSpPr>
+        </p:nvPicPr>
+        <p:blipFill>
+          <a:blip r:embed="rId4">
+            <a:alphaModFix/>
+          </a:blip>
+          <a:stretch>
+            <a:fillRect/>
+          </a:stretch>
+        </p:blipFill>
         <p:spPr>
           <a:xfrm>
-            <a:off x="925725" y="5635676"/>
-            <a:ext cx="15951048" cy="757130"/>
+            <a:off x="499975" y="4198625"/>
+            <a:ext cx="8432026" cy="4472450"/>
           </a:xfrm>
           <a:prstGeom prst="rect">
             <a:avLst/>
@@ -37063,40 +37083,35 @@
             <a:noFill/>
           </a:ln>
         </p:spPr>
-        <p:txBody>
-          <a:bodyPr anchorCtr="0" anchor="t" bIns="0" lIns="0" spcFirstLastPara="1" rIns="0" wrap="square" tIns="0">
-            <a:spAutoFit/>
-          </a:bodyPr>
-          <a:lstStyle/>
-          <a:p>
-            <a:pPr indent="0" lvl="0" marL="0" marR="0" rtl="0" algn="ctr">
-              <a:lnSpc>
-                <a:spcPct val="75930"/>
-              </a:lnSpc>
-              <a:spcBef>
-                <a:spcPts val="0"/>
-              </a:spcBef>
-              <a:spcAft>
-                <a:spcPts val="0"/>
-              </a:spcAft>
-              <a:buNone/>
-            </a:pPr>
-            <a:r>
-              <a:rPr lang="en-US" sz="7200">
-                <a:solidFill>
-                  <a:srgbClr val="240960"/>
-                </a:solidFill>
-                <a:latin typeface="Montserrat"/>
-                <a:ea typeface="Montserrat"/>
-                <a:cs typeface="Montserrat"/>
-                <a:sym typeface="Montserrat"/>
-              </a:rPr>
-              <a:t>Court Creation Image</a:t>
-            </a:r>
-            <a:endParaRPr/>
-          </a:p>
-        </p:txBody>
-      </p:sp>
+      </p:pic>
+      <p:pic>
+        <p:nvPicPr>
+          <p:cNvPr id="254" name="Google Shape;254;p18" title="WhatsApp Image 2025-12-12 at 15.29.54_b45734c4.jpg"/>
+          <p:cNvPicPr preferRelativeResize="0"/>
+          <p:nvPr/>
+        </p:nvPicPr>
+        <p:blipFill>
+          <a:blip r:embed="rId5">
+            <a:alphaModFix/>
+          </a:blip>
+          <a:stretch>
+            <a:fillRect/>
+          </a:stretch>
+        </p:blipFill>
+        <p:spPr>
+          <a:xfrm>
+            <a:off x="9442925" y="4198625"/>
+            <a:ext cx="8432026" cy="4472451"/>
+          </a:xfrm>
+          <a:prstGeom prst="rect">
+            <a:avLst/>
+          </a:prstGeom>
+          <a:noFill/>
+          <a:ln>
+            <a:noFill/>
+          </a:ln>
+        </p:spPr>
+      </p:pic>
     </p:spTree>
   </p:cSld>
   <p:clrMapOvr>
@@ -37117,7 +37132,7 @@
     </p:bg>
     <p:spTree>
       <p:nvGrpSpPr>
-        <p:cNvPr id="257" name="Shape 257"/>
+        <p:cNvPr id="258" name="Shape 258"/>
         <p:cNvGrpSpPr/>
         <p:nvPr/>
       </p:nvGrpSpPr>
@@ -37131,7 +37146,7 @@
       </p:grpSpPr>
       <p:sp>
         <p:nvSpPr>
-          <p:cNvPr id="258" name="Google Shape;258;p19"/>
+          <p:cNvPr id="259" name="Google Shape;259;p19"/>
           <p:cNvSpPr/>
           <p:nvPr/>
         </p:nvSpPr>
@@ -37197,7 +37212,7 @@
       </p:sp>
       <p:grpSp>
         <p:nvGrpSpPr>
-          <p:cNvPr id="259" name="Google Shape;259;p19"/>
+          <p:cNvPr id="260" name="Google Shape;260;p19"/>
           <p:cNvGrpSpPr/>
           <p:nvPr/>
         </p:nvGrpSpPr>
@@ -37211,7 +37226,7 @@
         </p:grpSpPr>
         <p:sp>
           <p:nvSpPr>
-            <p:cNvPr id="260" name="Google Shape;260;p19"/>
+            <p:cNvPr id="261" name="Google Shape;261;p19"/>
             <p:cNvSpPr/>
             <p:nvPr/>
           </p:nvSpPr>
@@ -37302,7 +37317,7 @@
         </p:sp>
         <p:sp>
           <p:nvSpPr>
-            <p:cNvPr id="261" name="Google Shape;261;p19"/>
+            <p:cNvPr id="262" name="Google Shape;262;p19"/>
             <p:cNvSpPr txBox="1"/>
             <p:nvPr/>
           </p:nvSpPr>
@@ -37355,7 +37370,7 @@
       </p:grpSp>
       <p:sp>
         <p:nvSpPr>
-          <p:cNvPr id="262" name="Google Shape;262;p19"/>
+          <p:cNvPr id="263" name="Google Shape;263;p19"/>
           <p:cNvSpPr txBox="1"/>
           <p:nvPr/>
         </p:nvSpPr>
@@ -37408,7 +37423,7 @@
       </p:sp>
       <p:sp>
         <p:nvSpPr>
-          <p:cNvPr id="263" name="Google Shape;263;p19"/>
+          <p:cNvPr id="264" name="Google Shape;264;p19"/>
           <p:cNvSpPr txBox="1"/>
           <p:nvPr/>
         </p:nvSpPr>
@@ -37461,14 +37476,14 @@
       </p:sp>
       <p:sp>
         <p:nvSpPr>
-          <p:cNvPr id="264" name="Google Shape;264;p19"/>
+          <p:cNvPr id="265" name="Google Shape;265;p19"/>
           <p:cNvSpPr txBox="1"/>
           <p:nvPr/>
         </p:nvSpPr>
         <p:spPr>
           <a:xfrm>
-            <a:off x="6533073" y="2700108"/>
-            <a:ext cx="5221853" cy="745460"/>
+            <a:off x="6132600" y="2719750"/>
+            <a:ext cx="6022800" cy="841500"/>
           </a:xfrm>
           <a:prstGeom prst="rect">
             <a:avLst/>
@@ -37514,7 +37529,7 @@
       </p:sp>
       <p:grpSp>
         <p:nvGrpSpPr>
-          <p:cNvPr id="265" name="Google Shape;265;p19"/>
+          <p:cNvPr id="266" name="Google Shape;266;p19"/>
           <p:cNvGrpSpPr/>
           <p:nvPr/>
         </p:nvGrpSpPr>
@@ -37528,7 +37543,7 @@
         </p:grpSpPr>
         <p:sp>
           <p:nvSpPr>
-            <p:cNvPr id="266" name="Google Shape;266;p19"/>
+            <p:cNvPr id="267" name="Google Shape;267;p19"/>
             <p:cNvSpPr/>
             <p:nvPr/>
           </p:nvSpPr>
@@ -37619,7 +37634,7 @@
         </p:sp>
         <p:sp>
           <p:nvSpPr>
-            <p:cNvPr id="267" name="Google Shape;267;p19"/>
+            <p:cNvPr id="268" name="Google Shape;268;p19"/>
             <p:cNvSpPr txBox="1"/>
             <p:nvPr/>
           </p:nvSpPr>
@@ -37672,7 +37687,7 @@
       </p:grpSp>
       <p:grpSp>
         <p:nvGrpSpPr>
-          <p:cNvPr id="268" name="Google Shape;268;p19"/>
+          <p:cNvPr id="269" name="Google Shape;269;p19"/>
           <p:cNvGrpSpPr/>
           <p:nvPr/>
         </p:nvGrpSpPr>
@@ -37686,7 +37701,7 @@
         </p:grpSpPr>
         <p:sp>
           <p:nvSpPr>
-            <p:cNvPr id="269" name="Google Shape;269;p19"/>
+            <p:cNvPr id="270" name="Google Shape;270;p19"/>
             <p:cNvSpPr/>
             <p:nvPr/>
           </p:nvSpPr>
@@ -37777,7 +37792,7 @@
         </p:sp>
         <p:sp>
           <p:nvSpPr>
-            <p:cNvPr id="270" name="Google Shape;270;p19"/>
+            <p:cNvPr id="271" name="Google Shape;271;p19"/>
             <p:cNvSpPr txBox="1"/>
             <p:nvPr/>
           </p:nvSpPr>
@@ -37830,7 +37845,7 @@
       </p:grpSp>
       <p:pic>
         <p:nvPicPr>
-          <p:cNvPr descr="A person in a tie&#10;&#10;Description automatically generated" id="271" name="Google Shape;271;p19"/>
+          <p:cNvPr descr="A person in a tie&#10;&#10;Description automatically generated" id="272" name="Google Shape;272;p19"/>
           <p:cNvPicPr preferRelativeResize="0"/>
           <p:nvPr/>
         </p:nvPicPr>
@@ -37857,7 +37872,7 @@
       </p:pic>
       <p:pic>
         <p:nvPicPr>
-          <p:cNvPr descr="A red question mark on a black background&#10;&#10;Description automatically generated" id="272" name="Google Shape;272;p19"/>
+          <p:cNvPr descr="A red question mark on a black background&#10;&#10;Description automatically generated" id="273" name="Google Shape;273;p19"/>
           <p:cNvPicPr preferRelativeResize="0"/>
           <p:nvPr/>
         </p:nvPicPr>
@@ -37884,7 +37899,7 @@
       </p:pic>
       <p:sp>
         <p:nvSpPr>
-          <p:cNvPr id="273" name="Google Shape;273;p19"/>
+          <p:cNvPr id="274" name="Google Shape;274;p19"/>
           <p:cNvSpPr txBox="1"/>
           <p:nvPr/>
         </p:nvSpPr>
@@ -37946,7 +37961,7 @@
       </p:sp>
       <p:pic>
         <p:nvPicPr>
-          <p:cNvPr descr="A blue and white logo&#10;&#10;Description automatically generated" id="274" name="Google Shape;274;p19"/>
+          <p:cNvPr descr="A blue and white logo&#10;&#10;Description automatically generated" id="275" name="Google Shape;275;p19"/>
           <p:cNvPicPr preferRelativeResize="0"/>
           <p:nvPr/>
         </p:nvPicPr>
@@ -37973,7 +37988,7 @@
       </p:pic>
       <p:sp>
         <p:nvSpPr>
-          <p:cNvPr id="275" name="Google Shape;275;p19"/>
+          <p:cNvPr id="276" name="Google Shape;276;p19"/>
           <p:cNvSpPr txBox="1"/>
           <p:nvPr/>
         </p:nvSpPr>
@@ -38034,7 +38049,7 @@
       </p:sp>
       <p:sp>
         <p:nvSpPr>
-          <p:cNvPr id="276" name="Google Shape;276;p19"/>
+          <p:cNvPr id="277" name="Google Shape;277;p19"/>
           <p:cNvSpPr txBox="1"/>
           <p:nvPr/>
         </p:nvSpPr>
@@ -38105,7 +38120,7 @@
     </p:bg>
     <p:spTree>
       <p:nvGrpSpPr>
-        <p:cNvPr id="280" name="Shape 280"/>
+        <p:cNvPr id="281" name="Shape 281"/>
         <p:cNvGrpSpPr/>
         <p:nvPr/>
       </p:nvGrpSpPr>
@@ -38119,7 +38134,7 @@
       </p:grpSpPr>
       <p:sp>
         <p:nvSpPr>
-          <p:cNvPr id="281" name="Google Shape;281;p20"/>
+          <p:cNvPr id="282" name="Google Shape;282;p20"/>
           <p:cNvSpPr/>
           <p:nvPr/>
         </p:nvSpPr>
@@ -38185,7 +38200,7 @@
       </p:sp>
       <p:sp>
         <p:nvSpPr>
-          <p:cNvPr id="282" name="Google Shape;282;p20"/>
+          <p:cNvPr id="283" name="Google Shape;283;p20"/>
           <p:cNvSpPr txBox="1"/>
           <p:nvPr/>
         </p:nvSpPr>
@@ -38283,7 +38298,7 @@
       </p:sp>
       <p:grpSp>
         <p:nvGrpSpPr>
-          <p:cNvPr id="283" name="Google Shape;283;p20"/>
+          <p:cNvPr id="284" name="Google Shape;284;p20"/>
           <p:cNvGrpSpPr/>
           <p:nvPr/>
         </p:nvGrpSpPr>
@@ -38297,7 +38312,7 @@
         </p:grpSpPr>
         <p:sp>
           <p:nvSpPr>
-            <p:cNvPr id="284" name="Google Shape;284;p20"/>
+            <p:cNvPr id="285" name="Google Shape;285;p20"/>
             <p:cNvSpPr/>
             <p:nvPr/>
           </p:nvSpPr>
@@ -38388,7 +38403,7 @@
         </p:sp>
         <p:sp>
           <p:nvSpPr>
-            <p:cNvPr id="285" name="Google Shape;285;p20"/>
+            <p:cNvPr id="286" name="Google Shape;286;p20"/>
             <p:cNvSpPr txBox="1"/>
             <p:nvPr/>
           </p:nvSpPr>
@@ -38441,7 +38456,7 @@
       </p:grpSp>
       <p:sp>
         <p:nvSpPr>
-          <p:cNvPr id="286" name="Google Shape;286;p20"/>
+          <p:cNvPr id="287" name="Google Shape;287;p20"/>
           <p:cNvSpPr txBox="1"/>
           <p:nvPr/>
         </p:nvSpPr>
@@ -38494,7 +38509,7 @@
       </p:sp>
       <p:sp>
         <p:nvSpPr>
-          <p:cNvPr id="287" name="Google Shape;287;p20"/>
+          <p:cNvPr id="288" name="Google Shape;288;p20"/>
           <p:cNvSpPr txBox="1"/>
           <p:nvPr/>
         </p:nvSpPr>
@@ -38547,14 +38562,14 @@
       </p:sp>
       <p:sp>
         <p:nvSpPr>
-          <p:cNvPr id="288" name="Google Shape;288;p20"/>
+          <p:cNvPr id="289" name="Google Shape;289;p20"/>
           <p:cNvSpPr txBox="1"/>
           <p:nvPr/>
         </p:nvSpPr>
         <p:spPr>
           <a:xfrm>
-            <a:off x="6533073" y="2700108"/>
-            <a:ext cx="5221853" cy="745460"/>
+            <a:off x="6010800" y="2616950"/>
+            <a:ext cx="6266400" cy="841500"/>
           </a:xfrm>
           <a:prstGeom prst="rect">
             <a:avLst/>
@@ -38600,7 +38615,7 @@
       </p:sp>
       <p:grpSp>
         <p:nvGrpSpPr>
-          <p:cNvPr id="289" name="Google Shape;289;p20"/>
+          <p:cNvPr id="290" name="Google Shape;290;p20"/>
           <p:cNvGrpSpPr/>
           <p:nvPr/>
         </p:nvGrpSpPr>
@@ -38614,7 +38629,7 @@
         </p:grpSpPr>
         <p:sp>
           <p:nvSpPr>
-            <p:cNvPr id="290" name="Google Shape;290;p20"/>
+            <p:cNvPr id="291" name="Google Shape;291;p20"/>
             <p:cNvSpPr/>
             <p:nvPr/>
           </p:nvSpPr>
@@ -38705,7 +38720,7 @@
         </p:sp>
         <p:sp>
           <p:nvSpPr>
-            <p:cNvPr id="291" name="Google Shape;291;p20"/>
+            <p:cNvPr id="292" name="Google Shape;292;p20"/>
             <p:cNvSpPr txBox="1"/>
             <p:nvPr/>
           </p:nvSpPr>
@@ -38758,7 +38773,7 @@
       </p:grpSp>
       <p:grpSp>
         <p:nvGrpSpPr>
-          <p:cNvPr id="292" name="Google Shape;292;p20"/>
+          <p:cNvPr id="293" name="Google Shape;293;p20"/>
           <p:cNvGrpSpPr/>
           <p:nvPr/>
         </p:nvGrpSpPr>
@@ -38772,7 +38787,7 @@
         </p:grpSpPr>
         <p:sp>
           <p:nvSpPr>
-            <p:cNvPr id="293" name="Google Shape;293;p20"/>
+            <p:cNvPr id="294" name="Google Shape;294;p20"/>
             <p:cNvSpPr/>
             <p:nvPr/>
           </p:nvSpPr>
@@ -38863,7 +38878,7 @@
         </p:sp>
         <p:sp>
           <p:nvSpPr>
-            <p:cNvPr id="294" name="Google Shape;294;p20"/>
+            <p:cNvPr id="295" name="Google Shape;295;p20"/>
             <p:cNvSpPr txBox="1"/>
             <p:nvPr/>
           </p:nvSpPr>
@@ -38916,7 +38931,7 @@
       </p:grpSp>
       <p:sp>
         <p:nvSpPr>
-          <p:cNvPr id="295" name="Google Shape;295;p20"/>
+          <p:cNvPr id="296" name="Google Shape;296;p20"/>
           <p:cNvSpPr txBox="1"/>
           <p:nvPr/>
         </p:nvSpPr>
@@ -38966,7 +38981,7 @@
       </p:sp>
       <p:sp>
         <p:nvSpPr>
-          <p:cNvPr id="296" name="Google Shape;296;p20"/>
+          <p:cNvPr id="297" name="Google Shape;297;p20"/>
           <p:cNvSpPr/>
           <p:nvPr/>
         </p:nvSpPr>
@@ -39022,7 +39037,7 @@
       </p:sp>
       <p:sp>
         <p:nvSpPr>
-          <p:cNvPr id="297" name="Google Shape;297;p20"/>
+          <p:cNvPr id="298" name="Google Shape;298;p20"/>
           <p:cNvSpPr/>
           <p:nvPr/>
         </p:nvSpPr>
@@ -39078,7 +39093,7 @@
       </p:sp>
       <p:sp>
         <p:nvSpPr>
-          <p:cNvPr id="298" name="Google Shape;298;p20"/>
+          <p:cNvPr id="299" name="Google Shape;299;p20"/>
           <p:cNvSpPr txBox="1"/>
           <p:nvPr/>
         </p:nvSpPr>
@@ -39128,7 +39143,7 @@
       </p:sp>
       <p:sp>
         <p:nvSpPr>
-          <p:cNvPr id="299" name="Google Shape;299;p20"/>
+          <p:cNvPr id="300" name="Google Shape;300;p20"/>
           <p:cNvSpPr txBox="1"/>
           <p:nvPr/>
         </p:nvSpPr>
@@ -39178,7 +39193,7 @@
       </p:sp>
       <p:pic>
         <p:nvPicPr>
-          <p:cNvPr descr="A blue and white logo&#10;&#10;Description automatically generated" id="300" name="Google Shape;300;p20"/>
+          <p:cNvPr descr="A blue and white logo&#10;&#10;Description automatically generated" id="301" name="Google Shape;301;p20"/>
           <p:cNvPicPr preferRelativeResize="0"/>
           <p:nvPr/>
         </p:nvPicPr>
@@ -39205,7 +39220,7 @@
       </p:pic>
       <p:sp>
         <p:nvSpPr>
-          <p:cNvPr id="301" name="Google Shape;301;p20"/>
+          <p:cNvPr id="302" name="Google Shape;302;p20"/>
           <p:cNvSpPr txBox="1"/>
           <p:nvPr/>
         </p:nvSpPr>
@@ -39266,7 +39281,7 @@
       </p:sp>
       <p:pic>
         <p:nvPicPr>
-          <p:cNvPr descr="A light bulb with a bullet inside&#10;&#10;Description automatically generated" id="302" name="Google Shape;302;p20"/>
+          <p:cNvPr descr="A light bulb with a bullet inside&#10;&#10;Description automatically generated" id="303" name="Google Shape;303;p20"/>
           <p:cNvPicPr preferRelativeResize="0"/>
           <p:nvPr/>
         </p:nvPicPr>
@@ -39293,7 +39308,7 @@
       </p:pic>
       <p:sp>
         <p:nvSpPr>
-          <p:cNvPr id="303" name="Google Shape;303;p20"/>
+          <p:cNvPr id="304" name="Google Shape;304;p20"/>
           <p:cNvSpPr txBox="1"/>
           <p:nvPr/>
         </p:nvSpPr>
@@ -39373,41 +39388,6 @@
                                 <p:cTn fill="hold" nodeType="clickEffect" presetClass="entr" presetID="10" presetSubtype="0">
                                   <p:stCondLst>
                                     <p:cond delay="0"/>
-                                  </p:stCondLst>
-                                  <p:childTnLst>
-                                    <p:set>
-                                      <p:cBhvr>
-                                        <p:cTn dur="1" fill="hold">
-                                          <p:stCondLst>
-                                            <p:cond delay="0"/>
-                                          </p:stCondLst>
-                                        </p:cTn>
-                                        <p:tgtEl>
-                                          <p:spTgt spid="295"/>
-                                        </p:tgtEl>
-                                        <p:attrNameLst>
-                                          <p:attrName>style.visibility</p:attrName>
-                                        </p:attrNameLst>
-                                      </p:cBhvr>
-                                      <p:to>
-                                        <p:strVal val="visible"/>
-                                      </p:to>
-                                    </p:set>
-                                    <p:animEffect filter="fade" transition="in">
-                                      <p:cBhvr>
-                                        <p:cTn dur="500"/>
-                                        <p:tgtEl>
-                                          <p:spTgt spid="295"/>
-                                        </p:tgtEl>
-                                      </p:cBhvr>
-                                    </p:animEffect>
-                                  </p:childTnLst>
-                                </p:cTn>
-                              </p:par>
-                              <p:par>
-                                <p:cTn fill="hold" nodeType="withEffect" presetClass="entr" presetID="10" presetSubtype="0">
-                                  <p:stCondLst>
-                                    <p:cond delay="500"/>
                                   </p:stCondLst>
                                   <p:childTnLst>
                                     <p:set>
@@ -39477,7 +39457,7 @@
                               <p:par>
                                 <p:cTn fill="hold" nodeType="withEffect" presetClass="entr" presetID="10" presetSubtype="0">
                                   <p:stCondLst>
-                                    <p:cond delay="1000"/>
+                                    <p:cond delay="500"/>
                                   </p:stCondLst>
                                   <p:childTnLst>
                                     <p:set>
@@ -39544,6 +39524,41 @@
                                   </p:childTnLst>
                                 </p:cTn>
                               </p:par>
+                              <p:par>
+                                <p:cTn fill="hold" nodeType="withEffect" presetClass="entr" presetID="10" presetSubtype="0">
+                                  <p:stCondLst>
+                                    <p:cond delay="1000"/>
+                                  </p:stCondLst>
+                                  <p:childTnLst>
+                                    <p:set>
+                                      <p:cBhvr>
+                                        <p:cTn dur="1" fill="hold">
+                                          <p:stCondLst>
+                                            <p:cond delay="0"/>
+                                          </p:stCondLst>
+                                        </p:cTn>
+                                        <p:tgtEl>
+                                          <p:spTgt spid="300"/>
+                                        </p:tgtEl>
+                                        <p:attrNameLst>
+                                          <p:attrName>style.visibility</p:attrName>
+                                        </p:attrNameLst>
+                                      </p:cBhvr>
+                                      <p:to>
+                                        <p:strVal val="visible"/>
+                                      </p:to>
+                                    </p:set>
+                                    <p:animEffect filter="fade" transition="in">
+                                      <p:cBhvr>
+                                        <p:cTn dur="500"/>
+                                        <p:tgtEl>
+                                          <p:spTgt spid="300"/>
+                                        </p:tgtEl>
+                                      </p:cBhvr>
+                                    </p:animEffect>
+                                  </p:childTnLst>
+                                </p:cTn>
+                              </p:par>
                             </p:childTnLst>
                           </p:cTn>
                         </p:par>
@@ -39587,7 +39602,7 @@
     </p:bg>
     <p:spTree>
       <p:nvGrpSpPr>
-        <p:cNvPr id="307" name="Shape 307"/>
+        <p:cNvPr id="308" name="Shape 308"/>
         <p:cNvGrpSpPr/>
         <p:nvPr/>
       </p:nvGrpSpPr>
@@ -39601,7 +39616,7 @@
       </p:grpSpPr>
       <p:sp>
         <p:nvSpPr>
-          <p:cNvPr id="308" name="Google Shape;308;p21"/>
+          <p:cNvPr id="309" name="Google Shape;309;p21"/>
           <p:cNvSpPr/>
           <p:nvPr/>
         </p:nvSpPr>
@@ -39667,7 +39682,7 @@
       </p:sp>
       <p:grpSp>
         <p:nvGrpSpPr>
-          <p:cNvPr id="309" name="Google Shape;309;p21"/>
+          <p:cNvPr id="310" name="Google Shape;310;p21"/>
           <p:cNvGrpSpPr/>
           <p:nvPr/>
         </p:nvGrpSpPr>
@@ -39681,7 +39696,7 @@
         </p:grpSpPr>
         <p:sp>
           <p:nvSpPr>
-            <p:cNvPr id="310" name="Google Shape;310;p21"/>
+            <p:cNvPr id="311" name="Google Shape;311;p21"/>
             <p:cNvSpPr/>
             <p:nvPr/>
           </p:nvSpPr>
@@ -39772,7 +39787,7 @@
         </p:sp>
         <p:sp>
           <p:nvSpPr>
-            <p:cNvPr id="311" name="Google Shape;311;p21"/>
+            <p:cNvPr id="312" name="Google Shape;312;p21"/>
             <p:cNvSpPr txBox="1"/>
             <p:nvPr/>
           </p:nvSpPr>
@@ -39825,7 +39840,7 @@
       </p:grpSp>
       <p:sp>
         <p:nvSpPr>
-          <p:cNvPr id="312" name="Google Shape;312;p21"/>
+          <p:cNvPr id="313" name="Google Shape;313;p21"/>
           <p:cNvSpPr txBox="1"/>
           <p:nvPr/>
         </p:nvSpPr>
@@ -39878,7 +39893,7 @@
       </p:sp>
       <p:sp>
         <p:nvSpPr>
-          <p:cNvPr id="313" name="Google Shape;313;p21"/>
+          <p:cNvPr id="314" name="Google Shape;314;p21"/>
           <p:cNvSpPr txBox="1"/>
           <p:nvPr/>
         </p:nvSpPr>
@@ -39931,7 +39946,7 @@
       </p:sp>
       <p:sp>
         <p:nvSpPr>
-          <p:cNvPr id="314" name="Google Shape;314;p21"/>
+          <p:cNvPr id="315" name="Google Shape;315;p21"/>
           <p:cNvSpPr txBox="1"/>
           <p:nvPr/>
         </p:nvSpPr>
@@ -39984,7 +39999,7 @@
       </p:sp>
       <p:grpSp>
         <p:nvGrpSpPr>
-          <p:cNvPr id="315" name="Google Shape;315;p21"/>
+          <p:cNvPr id="316" name="Google Shape;316;p21"/>
           <p:cNvGrpSpPr/>
           <p:nvPr/>
         </p:nvGrpSpPr>
@@ -39998,7 +40013,7 @@
         </p:grpSpPr>
         <p:sp>
           <p:nvSpPr>
-            <p:cNvPr id="316" name="Google Shape;316;p21"/>
+            <p:cNvPr id="317" name="Google Shape;317;p21"/>
             <p:cNvSpPr/>
             <p:nvPr/>
           </p:nvSpPr>
@@ -40089,7 +40104,7 @@
         </p:sp>
         <p:sp>
           <p:nvSpPr>
-            <p:cNvPr id="317" name="Google Shape;317;p21"/>
+            <p:cNvPr id="318" name="Google Shape;318;p21"/>
             <p:cNvSpPr txBox="1"/>
             <p:nvPr/>
           </p:nvSpPr>
@@ -40142,7 +40157,7 @@
       </p:grpSp>
       <p:grpSp>
         <p:nvGrpSpPr>
-          <p:cNvPr id="318" name="Google Shape;318;p21"/>
+          <p:cNvPr id="319" name="Google Shape;319;p21"/>
           <p:cNvGrpSpPr/>
           <p:nvPr/>
         </p:nvGrpSpPr>
@@ -40156,7 +40171,7 @@
         </p:grpSpPr>
         <p:sp>
           <p:nvSpPr>
-            <p:cNvPr id="319" name="Google Shape;319;p21"/>
+            <p:cNvPr id="320" name="Google Shape;320;p21"/>
             <p:cNvSpPr/>
             <p:nvPr/>
           </p:nvSpPr>
@@ -40247,7 +40262,7 @@
         </p:sp>
         <p:sp>
           <p:nvSpPr>
-            <p:cNvPr id="320" name="Google Shape;320;p21"/>
+            <p:cNvPr id="321" name="Google Shape;321;p21"/>
             <p:cNvSpPr txBox="1"/>
             <p:nvPr/>
           </p:nvSpPr>
@@ -40300,7 +40315,7 @@
       </p:grpSp>
       <p:pic>
         <p:nvPicPr>
-          <p:cNvPr descr="A person in a tie&#10;&#10;Description automatically generated" id="321" name="Google Shape;321;p21"/>
+          <p:cNvPr descr="A person in a tie&#10;&#10;Description automatically generated" id="322" name="Google Shape;322;p21"/>
           <p:cNvPicPr preferRelativeResize="0"/>
           <p:nvPr/>
         </p:nvPicPr>
@@ -40327,7 +40342,7 @@
       </p:pic>
       <p:pic>
         <p:nvPicPr>
-          <p:cNvPr descr="A red question mark on a black background&#10;&#10;Description automatically generated" id="322" name="Google Shape;322;p21"/>
+          <p:cNvPr descr="A red question mark on a black background&#10;&#10;Description automatically generated" id="323" name="Google Shape;323;p21"/>
           <p:cNvPicPr preferRelativeResize="0"/>
           <p:nvPr/>
         </p:nvPicPr>
@@ -40354,7 +40369,7 @@
       </p:pic>
       <p:sp>
         <p:nvSpPr>
-          <p:cNvPr id="323" name="Google Shape;323;p21"/>
+          <p:cNvPr id="324" name="Google Shape;324;p21"/>
           <p:cNvSpPr txBox="1"/>
           <p:nvPr/>
         </p:nvSpPr>
@@ -40416,7 +40431,7 @@
       </p:sp>
       <p:pic>
         <p:nvPicPr>
-          <p:cNvPr descr="A blue and white logo&#10;&#10;Description automatically generated" id="324" name="Google Shape;324;p21"/>
+          <p:cNvPr descr="A blue and white logo&#10;&#10;Description automatically generated" id="325" name="Google Shape;325;p21"/>
           <p:cNvPicPr preferRelativeResize="0"/>
           <p:nvPr/>
         </p:nvPicPr>
@@ -40443,7 +40458,7 @@
       </p:pic>
       <p:sp>
         <p:nvSpPr>
-          <p:cNvPr id="325" name="Google Shape;325;p21"/>
+          <p:cNvPr id="326" name="Google Shape;326;p21"/>
           <p:cNvSpPr txBox="1"/>
           <p:nvPr/>
         </p:nvSpPr>
@@ -40504,7 +40519,7 @@
       </p:sp>
       <p:sp>
         <p:nvSpPr>
-          <p:cNvPr id="326" name="Google Shape;326;p21"/>
+          <p:cNvPr id="327" name="Google Shape;327;p21"/>
           <p:cNvSpPr txBox="1"/>
           <p:nvPr/>
         </p:nvSpPr>
@@ -40564,6 +40579,285 @@
 </file>
 
 <file path=ppt/theme/theme1.xml><?xml version="1.0" encoding="utf-8"?>
+<a:theme xmlns:a="http://schemas.openxmlformats.org/drawingml/2006/main" xmlns:r="http://schemas.openxmlformats.org/officeDocument/2006/relationships" name="Office Theme">
+  <a:themeElements>
+    <a:clrScheme name="Office">
+      <a:dk1>
+        <a:srgbClr val="000000"/>
+      </a:dk1>
+      <a:lt1>
+        <a:srgbClr val="FFFFFF"/>
+      </a:lt1>
+      <a:dk2>
+        <a:srgbClr val="0E2841"/>
+      </a:dk2>
+      <a:lt2>
+        <a:srgbClr val="E8E8E8"/>
+      </a:lt2>
+      <a:accent1>
+        <a:srgbClr val="156082"/>
+      </a:accent1>
+      <a:accent2>
+        <a:srgbClr val="E97132"/>
+      </a:accent2>
+      <a:accent3>
+        <a:srgbClr val="196B24"/>
+      </a:accent3>
+      <a:accent4>
+        <a:srgbClr val="0F9ED5"/>
+      </a:accent4>
+      <a:accent5>
+        <a:srgbClr val="A02B93"/>
+      </a:accent5>
+      <a:accent6>
+        <a:srgbClr val="4EA72E"/>
+      </a:accent6>
+      <a:hlink>
+        <a:srgbClr val="467886"/>
+      </a:hlink>
+      <a:folHlink>
+        <a:srgbClr val="96607D"/>
+      </a:folHlink>
+    </a:clrScheme>
+    <a:fontScheme name="Office">
+      <a:majorFont>
+        <a:latin typeface="Arial"/>
+        <a:ea typeface=""/>
+        <a:cs typeface=""/>
+        <a:font script="Jpan" typeface="ＭＳ Ｐゴシック"/>
+        <a:font script="Hang" typeface="맑은 고딕"/>
+        <a:font script="Hans" typeface="宋体"/>
+        <a:font script="Hant" typeface="新細明體"/>
+        <a:font script="Arab" typeface="Times New Roman"/>
+        <a:font script="Hebr" typeface="Times New Roman"/>
+        <a:font script="Thai" typeface="Angsana New"/>
+        <a:font script="Ethi" typeface="Nyala"/>
+        <a:font script="Beng" typeface="Vrinda"/>
+        <a:font script="Gujr" typeface="Shruti"/>
+        <a:font script="Khmr" typeface="MoolBoran"/>
+        <a:font script="Knda" typeface="Tunga"/>
+        <a:font script="Guru" typeface="Raavi"/>
+        <a:font script="Cans" typeface="Euphemia"/>
+        <a:font script="Cher" typeface="Plantagenet Cherokee"/>
+        <a:font script="Yiii" typeface="Microsoft Yi Baiti"/>
+        <a:font script="Tibt" typeface="Microsoft Himalaya"/>
+        <a:font script="Thaa" typeface="MV Boli"/>
+        <a:font script="Deva" typeface="Mangal"/>
+        <a:font script="Telu" typeface="Gautami"/>
+        <a:font script="Taml" typeface="Latha"/>
+        <a:font script="Syrc" typeface="Estrangelo Edessa"/>
+        <a:font script="Orya" typeface="Kalinga"/>
+        <a:font script="Mlym" typeface="Kartika"/>
+        <a:font script="Laoo" typeface="DokChampa"/>
+        <a:font script="Sinh" typeface="Iskoola Pota"/>
+        <a:font script="Mong" typeface="Mongolian Baiti"/>
+        <a:font script="Viet" typeface="Times New Roman"/>
+        <a:font script="Uigh" typeface="Microsoft Uighur"/>
+        <a:font script="Geor" typeface="Sylfaen"/>
+      </a:majorFont>
+      <a:minorFont>
+        <a:latin typeface="Arial"/>
+        <a:ea typeface=""/>
+        <a:cs typeface=""/>
+        <a:font script="Jpan" typeface="ＭＳ Ｐゴシック"/>
+        <a:font script="Hang" typeface="맑은 고딕"/>
+        <a:font script="Hans" typeface="宋体"/>
+        <a:font script="Hant" typeface="新細明體"/>
+        <a:font script="Arab" typeface="Arial"/>
+        <a:font script="Hebr" typeface="Arial"/>
+        <a:font script="Thai" typeface="Cordia New"/>
+        <a:font script="Ethi" typeface="Nyala"/>
+        <a:font script="Beng" typeface="Vrinda"/>
+        <a:font script="Gujr" typeface="Shruti"/>
+        <a:font script="Khmr" typeface="DaunPenh"/>
+        <a:font script="Knda" typeface="Tunga"/>
+        <a:font script="Guru" typeface="Raavi"/>
+        <a:font script="Cans" typeface="Euphemia"/>
+        <a:font script="Cher" typeface="Plantagenet Cherokee"/>
+        <a:font script="Yiii" typeface="Microsoft Yi Baiti"/>
+        <a:font script="Tibt" typeface="Microsoft Himalaya"/>
+        <a:font script="Thaa" typeface="MV Boli"/>
+        <a:font script="Deva" typeface="Mangal"/>
+        <a:font script="Telu" typeface="Gautami"/>
+        <a:font script="Taml" typeface="Latha"/>
+        <a:font script="Syrc" typeface="Estrangelo Edessa"/>
+        <a:font script="Orya" typeface="Kalinga"/>
+        <a:font script="Mlym" typeface="Kartika"/>
+        <a:font script="Laoo" typeface="DokChampa"/>
+        <a:font script="Sinh" typeface="Iskoola Pota"/>
+        <a:font script="Mong" typeface="Mongolian Baiti"/>
+        <a:font script="Viet" typeface="Arial"/>
+        <a:font script="Uigh" typeface="Microsoft Uighur"/>
+        <a:font script="Geor" typeface="Sylfaen"/>
+      </a:minorFont>
+    </a:fontScheme>
+    <a:fmtScheme name="Office">
+      <a:fillStyleLst>
+        <a:solidFill>
+          <a:schemeClr val="phClr"/>
+        </a:solidFill>
+        <a:gradFill rotWithShape="1">
+          <a:gsLst>
+            <a:gs pos="0">
+              <a:schemeClr val="phClr">
+                <a:tint val="50000"/>
+                <a:satMod val="300000"/>
+              </a:schemeClr>
+            </a:gs>
+            <a:gs pos="35000">
+              <a:schemeClr val="phClr">
+                <a:tint val="37000"/>
+                <a:satMod val="300000"/>
+              </a:schemeClr>
+            </a:gs>
+            <a:gs pos="100000">
+              <a:schemeClr val="phClr">
+                <a:tint val="15000"/>
+                <a:satMod val="350000"/>
+              </a:schemeClr>
+            </a:gs>
+          </a:gsLst>
+          <a:lin ang="16200000" scaled="1"/>
+        </a:gradFill>
+        <a:gradFill rotWithShape="1">
+          <a:gsLst>
+            <a:gs pos="0">
+              <a:schemeClr val="phClr">
+                <a:tint val="100000"/>
+                <a:shade val="100000"/>
+                <a:satMod val="130000"/>
+              </a:schemeClr>
+            </a:gs>
+            <a:gs pos="100000">
+              <a:schemeClr val="phClr">
+                <a:tint val="50000"/>
+                <a:shade val="100000"/>
+                <a:satMod val="350000"/>
+              </a:schemeClr>
+            </a:gs>
+          </a:gsLst>
+          <a:lin ang="16200000" scaled="0"/>
+        </a:gradFill>
+      </a:fillStyleLst>
+      <a:lnStyleLst>
+        <a:ln w="9525" cap="flat" cmpd="sng" algn="ctr">
+          <a:solidFill>
+            <a:schemeClr val="phClr">
+              <a:shade val="95000"/>
+              <a:satMod val="105000"/>
+            </a:schemeClr>
+          </a:solidFill>
+          <a:prstDash val="solid"/>
+        </a:ln>
+        <a:ln w="25400" cap="flat" cmpd="sng" algn="ctr">
+          <a:solidFill>
+            <a:schemeClr val="phClr"/>
+          </a:solidFill>
+          <a:prstDash val="solid"/>
+        </a:ln>
+        <a:ln w="38100" cap="flat" cmpd="sng" algn="ctr">
+          <a:solidFill>
+            <a:schemeClr val="phClr"/>
+          </a:solidFill>
+          <a:prstDash val="solid"/>
+        </a:ln>
+      </a:lnStyleLst>
+      <a:effectStyleLst>
+        <a:effectStyle>
+          <a:effectLst>
+            <a:outerShdw blurRad="40000" dist="20000" dir="5400000" rotWithShape="0">
+              <a:srgbClr val="000000">
+                <a:alpha val="38000"/>
+              </a:srgbClr>
+            </a:outerShdw>
+          </a:effectLst>
+        </a:effectStyle>
+        <a:effectStyle>
+          <a:effectLst>
+            <a:outerShdw blurRad="40000" dist="23000" dir="5400000" rotWithShape="0">
+              <a:srgbClr val="000000">
+                <a:alpha val="35000"/>
+              </a:srgbClr>
+            </a:outerShdw>
+          </a:effectLst>
+        </a:effectStyle>
+        <a:effectStyle>
+          <a:effectLst>
+            <a:outerShdw blurRad="40000" dist="23000" dir="5400000" rotWithShape="0">
+              <a:srgbClr val="000000">
+                <a:alpha val="35000"/>
+              </a:srgbClr>
+            </a:outerShdw>
+          </a:effectLst>
+          <a:scene3d>
+            <a:camera prst="orthographicFront">
+              <a:rot lat="0" lon="0" rev="0"/>
+            </a:camera>
+            <a:lightRig rig="threePt" dir="t">
+              <a:rot lat="0" lon="0" rev="1200000"/>
+            </a:lightRig>
+          </a:scene3d>
+          <a:sp3d>
+            <a:bevelT w="63500" h="25400"/>
+          </a:sp3d>
+        </a:effectStyle>
+      </a:effectStyleLst>
+      <a:bgFillStyleLst>
+        <a:solidFill>
+          <a:schemeClr val="phClr"/>
+        </a:solidFill>
+        <a:gradFill rotWithShape="1">
+          <a:gsLst>
+            <a:gs pos="0">
+              <a:schemeClr val="phClr">
+                <a:tint val="40000"/>
+                <a:satMod val="350000"/>
+              </a:schemeClr>
+            </a:gs>
+            <a:gs pos="40000">
+              <a:schemeClr val="phClr">
+                <a:tint val="45000"/>
+                <a:shade val="99000"/>
+                <a:satMod val="350000"/>
+              </a:schemeClr>
+            </a:gs>
+            <a:gs pos="100000">
+              <a:schemeClr val="phClr">
+                <a:shade val="20000"/>
+                <a:satMod val="255000"/>
+              </a:schemeClr>
+            </a:gs>
+          </a:gsLst>
+          <a:path path="circle">
+            <a:fillToRect l="50000" t="-80000" r="50000" b="180000"/>
+          </a:path>
+        </a:gradFill>
+        <a:gradFill rotWithShape="1">
+          <a:gsLst>
+            <a:gs pos="0">
+              <a:schemeClr val="phClr">
+                <a:tint val="80000"/>
+                <a:satMod val="300000"/>
+              </a:schemeClr>
+            </a:gs>
+            <a:gs pos="100000">
+              <a:schemeClr val="phClr">
+                <a:shade val="30000"/>
+                <a:satMod val="200000"/>
+              </a:schemeClr>
+            </a:gs>
+          </a:gsLst>
+          <a:path path="circle">
+            <a:fillToRect l="50000" t="50000" r="50000" b="50000"/>
+          </a:path>
+        </a:gradFill>
+      </a:bgFillStyleLst>
+    </a:fmtScheme>
+  </a:themeElements>
+</a:theme>
+</file>
+
+<file path=ppt/theme/theme2.xml><?xml version="1.0" encoding="utf-8"?>
 <a:theme xmlns:a="http://schemas.openxmlformats.org/drawingml/2006/main" xmlns:r="http://schemas.openxmlformats.org/officeDocument/2006/relationships" name="Office Theme">
   <a:themeElements>
     <a:clrScheme name="Office">
@@ -40840,283 +41134,4 @@
     </a:fmtScheme>
   </a:themeElements>
 </a:theme>
-</file>
-
-<file path=ppt/theme/theme2.xml><?xml version="1.0" encoding="utf-8"?>
-<a:theme xmlns:a="http://schemas.openxmlformats.org/drawingml/2006/main" xmlns:r="http://schemas.openxmlformats.org/officeDocument/2006/relationships" name="Office Theme">
-  <a:themeElements>
-    <a:clrScheme name="Office">
-      <a:dk1>
-        <a:srgbClr val="000000"/>
-      </a:dk1>
-      <a:lt1>
-        <a:srgbClr val="FFFFFF"/>
-      </a:lt1>
-      <a:dk2>
-        <a:srgbClr val="0E2841"/>
-      </a:dk2>
-      <a:lt2>
-        <a:srgbClr val="E8E8E8"/>
-      </a:lt2>
-      <a:accent1>
-        <a:srgbClr val="156082"/>
-      </a:accent1>
-      <a:accent2>
-        <a:srgbClr val="E97132"/>
-      </a:accent2>
-      <a:accent3>
-        <a:srgbClr val="196B24"/>
-      </a:accent3>
-      <a:accent4>
-        <a:srgbClr val="0F9ED5"/>
-      </a:accent4>
-      <a:accent5>
-        <a:srgbClr val="A02B93"/>
-      </a:accent5>
-      <a:accent6>
-        <a:srgbClr val="4EA72E"/>
-      </a:accent6>
-      <a:hlink>
-        <a:srgbClr val="467886"/>
-      </a:hlink>
-      <a:folHlink>
-        <a:srgbClr val="96607D"/>
-      </a:folHlink>
-    </a:clrScheme>
-    <a:fontScheme name="Office">
-      <a:majorFont>
-        <a:latin typeface="Arial"/>
-        <a:ea typeface=""/>
-        <a:cs typeface=""/>
-        <a:font script="Jpan" typeface="ＭＳ Ｐゴシック"/>
-        <a:font script="Hang" typeface="맑은 고딕"/>
-        <a:font script="Hans" typeface="宋体"/>
-        <a:font script="Hant" typeface="新細明體"/>
-        <a:font script="Arab" typeface="Times New Roman"/>
-        <a:font script="Hebr" typeface="Times New Roman"/>
-        <a:font script="Thai" typeface="Angsana New"/>
-        <a:font script="Ethi" typeface="Nyala"/>
-        <a:font script="Beng" typeface="Vrinda"/>
-        <a:font script="Gujr" typeface="Shruti"/>
-        <a:font script="Khmr" typeface="MoolBoran"/>
-        <a:font script="Knda" typeface="Tunga"/>
-        <a:font script="Guru" typeface="Raavi"/>
-        <a:font script="Cans" typeface="Euphemia"/>
-        <a:font script="Cher" typeface="Plantagenet Cherokee"/>
-        <a:font script="Yiii" typeface="Microsoft Yi Baiti"/>
-        <a:font script="Tibt" typeface="Microsoft Himalaya"/>
-        <a:font script="Thaa" typeface="MV Boli"/>
-        <a:font script="Deva" typeface="Mangal"/>
-        <a:font script="Telu" typeface="Gautami"/>
-        <a:font script="Taml" typeface="Latha"/>
-        <a:font script="Syrc" typeface="Estrangelo Edessa"/>
-        <a:font script="Orya" typeface="Kalinga"/>
-        <a:font script="Mlym" typeface="Kartika"/>
-        <a:font script="Laoo" typeface="DokChampa"/>
-        <a:font script="Sinh" typeface="Iskoola Pota"/>
-        <a:font script="Mong" typeface="Mongolian Baiti"/>
-        <a:font script="Viet" typeface="Times New Roman"/>
-        <a:font script="Uigh" typeface="Microsoft Uighur"/>
-        <a:font script="Geor" typeface="Sylfaen"/>
-      </a:majorFont>
-      <a:minorFont>
-        <a:latin typeface="Arial"/>
-        <a:ea typeface=""/>
-        <a:cs typeface=""/>
-        <a:font script="Jpan" typeface="ＭＳ Ｐゴシック"/>
-        <a:font script="Hang" typeface="맑은 고딕"/>
-        <a:font script="Hans" typeface="宋体"/>
-        <a:font script="Hant" typeface="新細明體"/>
-        <a:font script="Arab" typeface="Arial"/>
-        <a:font script="Hebr" typeface="Arial"/>
-        <a:font script="Thai" typeface="Cordia New"/>
-        <a:font script="Ethi" typeface="Nyala"/>
-        <a:font script="Beng" typeface="Vrinda"/>
-        <a:font script="Gujr" typeface="Shruti"/>
-        <a:font script="Khmr" typeface="DaunPenh"/>
-        <a:font script="Knda" typeface="Tunga"/>
-        <a:font script="Guru" typeface="Raavi"/>
-        <a:font script="Cans" typeface="Euphemia"/>
-        <a:font script="Cher" typeface="Plantagenet Cherokee"/>
-        <a:font script="Yiii" typeface="Microsoft Yi Baiti"/>
-        <a:font script="Tibt" typeface="Microsoft Himalaya"/>
-        <a:font script="Thaa" typeface="MV Boli"/>
-        <a:font script="Deva" typeface="Mangal"/>
-        <a:font script="Telu" typeface="Gautami"/>
-        <a:font script="Taml" typeface="Latha"/>
-        <a:font script="Syrc" typeface="Estrangelo Edessa"/>
-        <a:font script="Orya" typeface="Kalinga"/>
-        <a:font script="Mlym" typeface="Kartika"/>
-        <a:font script="Laoo" typeface="DokChampa"/>
-        <a:font script="Sinh" typeface="Iskoola Pota"/>
-        <a:font script="Mong" typeface="Mongolian Baiti"/>
-        <a:font script="Viet" typeface="Arial"/>
-        <a:font script="Uigh" typeface="Microsoft Uighur"/>
-        <a:font script="Geor" typeface="Sylfaen"/>
-      </a:minorFont>
-    </a:fontScheme>
-    <a:fmtScheme name="Office">
-      <a:fillStyleLst>
-        <a:solidFill>
-          <a:schemeClr val="phClr"/>
-        </a:solidFill>
-        <a:gradFill rotWithShape="1">
-          <a:gsLst>
-            <a:gs pos="0">
-              <a:schemeClr val="phClr">
-                <a:tint val="50000"/>
-                <a:satMod val="300000"/>
-              </a:schemeClr>
-            </a:gs>
-            <a:gs pos="35000">
-              <a:schemeClr val="phClr">
-                <a:tint val="37000"/>
-                <a:satMod val="300000"/>
-              </a:schemeClr>
-            </a:gs>
-            <a:gs pos="100000">
-              <a:schemeClr val="phClr">
-                <a:tint val="15000"/>
-                <a:satMod val="350000"/>
-              </a:schemeClr>
-            </a:gs>
-          </a:gsLst>
-          <a:lin ang="16200000" scaled="1"/>
-        </a:gradFill>
-        <a:gradFill rotWithShape="1">
-          <a:gsLst>
-            <a:gs pos="0">
-              <a:schemeClr val="phClr">
-                <a:tint val="100000"/>
-                <a:shade val="100000"/>
-                <a:satMod val="130000"/>
-              </a:schemeClr>
-            </a:gs>
-            <a:gs pos="100000">
-              <a:schemeClr val="phClr">
-                <a:tint val="50000"/>
-                <a:shade val="100000"/>
-                <a:satMod val="350000"/>
-              </a:schemeClr>
-            </a:gs>
-          </a:gsLst>
-          <a:lin ang="16200000" scaled="0"/>
-        </a:gradFill>
-      </a:fillStyleLst>
-      <a:lnStyleLst>
-        <a:ln w="9525" cap="flat" cmpd="sng" algn="ctr">
-          <a:solidFill>
-            <a:schemeClr val="phClr">
-              <a:shade val="95000"/>
-              <a:satMod val="105000"/>
-            </a:schemeClr>
-          </a:solidFill>
-          <a:prstDash val="solid"/>
-        </a:ln>
-        <a:ln w="25400" cap="flat" cmpd="sng" algn="ctr">
-          <a:solidFill>
-            <a:schemeClr val="phClr"/>
-          </a:solidFill>
-          <a:prstDash val="solid"/>
-        </a:ln>
-        <a:ln w="38100" cap="flat" cmpd="sng" algn="ctr">
-          <a:solidFill>
-            <a:schemeClr val="phClr"/>
-          </a:solidFill>
-          <a:prstDash val="solid"/>
-        </a:ln>
-      </a:lnStyleLst>
-      <a:effectStyleLst>
-        <a:effectStyle>
-          <a:effectLst>
-            <a:outerShdw blurRad="40000" dist="20000" dir="5400000" rotWithShape="0">
-              <a:srgbClr val="000000">
-                <a:alpha val="38000"/>
-              </a:srgbClr>
-            </a:outerShdw>
-          </a:effectLst>
-        </a:effectStyle>
-        <a:effectStyle>
-          <a:effectLst>
-            <a:outerShdw blurRad="40000" dist="23000" dir="5400000" rotWithShape="0">
-              <a:srgbClr val="000000">
-                <a:alpha val="35000"/>
-              </a:srgbClr>
-            </a:outerShdw>
-          </a:effectLst>
-        </a:effectStyle>
-        <a:effectStyle>
-          <a:effectLst>
-            <a:outerShdw blurRad="40000" dist="23000" dir="5400000" rotWithShape="0">
-              <a:srgbClr val="000000">
-                <a:alpha val="35000"/>
-              </a:srgbClr>
-            </a:outerShdw>
-          </a:effectLst>
-          <a:scene3d>
-            <a:camera prst="orthographicFront">
-              <a:rot lat="0" lon="0" rev="0"/>
-            </a:camera>
-            <a:lightRig rig="threePt" dir="t">
-              <a:rot lat="0" lon="0" rev="1200000"/>
-            </a:lightRig>
-          </a:scene3d>
-          <a:sp3d>
-            <a:bevelT w="63500" h="25400"/>
-          </a:sp3d>
-        </a:effectStyle>
-      </a:effectStyleLst>
-      <a:bgFillStyleLst>
-        <a:solidFill>
-          <a:schemeClr val="phClr"/>
-        </a:solidFill>
-        <a:gradFill rotWithShape="1">
-          <a:gsLst>
-            <a:gs pos="0">
-              <a:schemeClr val="phClr">
-                <a:tint val="40000"/>
-                <a:satMod val="350000"/>
-              </a:schemeClr>
-            </a:gs>
-            <a:gs pos="40000">
-              <a:schemeClr val="phClr">
-                <a:tint val="45000"/>
-                <a:shade val="99000"/>
-                <a:satMod val="350000"/>
-              </a:schemeClr>
-            </a:gs>
-            <a:gs pos="100000">
-              <a:schemeClr val="phClr">
-                <a:shade val="20000"/>
-                <a:satMod val="255000"/>
-              </a:schemeClr>
-            </a:gs>
-          </a:gsLst>
-          <a:path path="circle">
-            <a:fillToRect l="50000" t="-80000" r="50000" b="180000"/>
-          </a:path>
-        </a:gradFill>
-        <a:gradFill rotWithShape="1">
-          <a:gsLst>
-            <a:gs pos="0">
-              <a:schemeClr val="phClr">
-                <a:tint val="80000"/>
-                <a:satMod val="300000"/>
-              </a:schemeClr>
-            </a:gs>
-            <a:gs pos="100000">
-              <a:schemeClr val="phClr">
-                <a:shade val="30000"/>
-                <a:satMod val="200000"/>
-              </a:schemeClr>
-            </a:gs>
-          </a:gsLst>
-          <a:path path="circle">
-            <a:fillToRect l="50000" t="50000" r="50000" b="50000"/>
-          </a:path>
-        </a:gradFill>
-      </a:bgFillStyleLst>
-    </a:fmtScheme>
-  </a:themeElements>
-</a:theme>
 </file>